--- a/Lectures/12 Announcements.pptx
+++ b/Lectures/12 Announcements.pptx
@@ -5,10 +5,10 @@
     <p:sldMasterId id="2147483648" r:id="rId1"/>
   </p:sldMasterIdLst>
   <p:notesMasterIdLst>
-    <p:notesMasterId r:id="rId24"/>
+    <p:notesMasterId r:id="rId23"/>
   </p:notesMasterIdLst>
   <p:handoutMasterIdLst>
-    <p:handoutMasterId r:id="rId25"/>
+    <p:handoutMasterId r:id="rId24"/>
   </p:handoutMasterIdLst>
   <p:sldIdLst>
     <p:sldId id="256" r:id="rId2"/>
@@ -32,7 +32,6 @@
     <p:sldId id="270" r:id="rId20"/>
     <p:sldId id="271" r:id="rId21"/>
     <p:sldId id="272" r:id="rId22"/>
-    <p:sldId id="273" r:id="rId23"/>
   </p:sldIdLst>
   <p:sldSz cx="9144000" cy="6858000" type="screen4x3"/>
   <p:notesSz cx="6858000" cy="9144000"/>
@@ -216,7 +215,7 @@
           <a:p>
             <a:fld id="{D3AAB66F-B1B7-D045-B4E8-4F60236F228D}" type="datetimeFigureOut">
               <a:rPr lang="en-US" smtClean="0"/>
-              <a:t>2/24/15</a:t>
+              <a:t>2/25/15</a:t>
             </a:fld>
             <a:endParaRPr lang="en-US"/>
           </a:p>
@@ -382,7 +381,7 @@
           <a:p>
             <a:fld id="{BCCF8E76-06A6-164E-A6FA-EC32C13EB232}" type="datetimeFigureOut">
               <a:rPr lang="en-US" smtClean="0"/>
-              <a:t>2/24/15</a:t>
+              <a:t>2/25/15</a:t>
             </a:fld>
             <a:endParaRPr lang="en-US"/>
           </a:p>
@@ -842,11 +841,7 @@
             </a:pPr>
             <a:r>
               <a:rPr lang="en-US" dirty="0" smtClean="0"/>
-              <a:t>Hopefully</a:t>
-            </a:r>
-            <a:r>
-              <a:rPr lang="en-US" baseline="0" dirty="0" smtClean="0"/>
-              <a:t> change in schedule addressed this for project. Bytes are meant to be quick. </a:t>
+              <a:t>We’re getting there. Need to understand small data first! </a:t>
             </a:r>
             <a:endParaRPr lang="en-US" dirty="0" smtClean="0"/>
           </a:p>
@@ -870,115 +865,6 @@
             <a:fld id="{FD66F34B-9C4D-8640-BB34-4C24A79C9FFB}" type="slidenum">
               <a:rPr lang="en-US" smtClean="0"/>
               <a:t>21</a:t>
-            </a:fld>
-            <a:endParaRPr lang="en-US"/>
-          </a:p>
-        </p:txBody>
-      </p:sp>
-    </p:spTree>
-    <p:extLst>
-      <p:ext uri="{BB962C8B-B14F-4D97-AF65-F5344CB8AC3E}">
-        <p14:creationId xmlns:p14="http://schemas.microsoft.com/office/powerpoint/2010/main" val="1674335241"/>
-      </p:ext>
-    </p:extLst>
-  </p:cSld>
-  <p:clrMapOvr>
-    <a:masterClrMapping/>
-  </p:clrMapOvr>
-</p:notes>
-</file>
-
-<file path=ppt/notesSlides/notesSlide11.xml><?xml version="1.0" encoding="utf-8"?>
-<p:notes xmlns:a="http://schemas.openxmlformats.org/drawingml/2006/main" xmlns:r="http://schemas.openxmlformats.org/officeDocument/2006/relationships" xmlns:p="http://schemas.openxmlformats.org/presentationml/2006/main">
-  <p:cSld>
-    <p:spTree>
-      <p:nvGrpSpPr>
-        <p:cNvPr id="1" name=""/>
-        <p:cNvGrpSpPr/>
-        <p:nvPr/>
-      </p:nvGrpSpPr>
-      <p:grpSpPr>
-        <a:xfrm>
-          <a:off x="0" y="0"/>
-          <a:ext cx="0" cy="0"/>
-          <a:chOff x="0" y="0"/>
-          <a:chExt cx="0" cy="0"/>
-        </a:xfrm>
-      </p:grpSpPr>
-      <p:sp>
-        <p:nvSpPr>
-          <p:cNvPr id="2" name="Slide Image Placeholder 1"/>
-          <p:cNvSpPr>
-            <a:spLocks noGrp="1" noRot="1" noChangeAspect="1"/>
-          </p:cNvSpPr>
-          <p:nvPr>
-            <p:ph type="sldImg"/>
-          </p:nvPr>
-        </p:nvSpPr>
-        <p:spPr/>
-      </p:sp>
-      <p:sp>
-        <p:nvSpPr>
-          <p:cNvPr id="3" name="Notes Placeholder 2"/>
-          <p:cNvSpPr>
-            <a:spLocks noGrp="1"/>
-          </p:cNvSpPr>
-          <p:nvPr>
-            <p:ph type="body" idx="1"/>
-          </p:nvPr>
-        </p:nvSpPr>
-        <p:spPr/>
-        <p:txBody>
-          <a:bodyPr/>
-          <a:lstStyle/>
-          <a:p>
-            <a:pPr marL="0" marR="0" lvl="0" indent="0" algn="l" defTabSz="457200" rtl="0" eaLnBrk="1" fontAlgn="auto" latinLnBrk="0" hangingPunct="1">
-              <a:lnSpc>
-                <a:spcPct val="100000"/>
-              </a:lnSpc>
-              <a:spcBef>
-                <a:spcPts val="0"/>
-              </a:spcBef>
-              <a:spcAft>
-                <a:spcPts val="0"/>
-              </a:spcAft>
-              <a:buClrTx/>
-              <a:buSzTx/>
-              <a:buFontTx/>
-              <a:buNone/>
-              <a:tabLst/>
-              <a:defRPr/>
-            </a:pPr>
-            <a:r>
-              <a:rPr lang="en-US" dirty="0" smtClean="0"/>
-              <a:t>We’re getting there. Need to understand </a:t>
-            </a:r>
-            <a:r>
-              <a:rPr lang="en-US" smtClean="0"/>
-              <a:t>small data first! </a:t>
-            </a:r>
-            <a:endParaRPr lang="en-US" dirty="0" smtClean="0"/>
-          </a:p>
-        </p:txBody>
-      </p:sp>
-      <p:sp>
-        <p:nvSpPr>
-          <p:cNvPr id="4" name="Slide Number Placeholder 3"/>
-          <p:cNvSpPr>
-            <a:spLocks noGrp="1"/>
-          </p:cNvSpPr>
-          <p:nvPr>
-            <p:ph type="sldNum" sz="quarter" idx="10"/>
-          </p:nvPr>
-        </p:nvSpPr>
-        <p:spPr/>
-        <p:txBody>
-          <a:bodyPr/>
-          <a:lstStyle/>
-          <a:p>
-            <a:fld id="{FD66F34B-9C4D-8640-BB34-4C24A79C9FFB}" type="slidenum">
-              <a:rPr lang="en-US" smtClean="0"/>
-              <a:t>22</a:t>
             </a:fld>
             <a:endParaRPr lang="en-US"/>
           </a:p>
@@ -1651,16 +1537,19 @@
             </a:pPr>
             <a:r>
               <a:rPr lang="en-US" dirty="0" smtClean="0"/>
-              <a:t>Will take into account and</a:t>
+              <a:t>Some</a:t>
             </a:r>
             <a:r>
               <a:rPr lang="en-US" baseline="0" dirty="0" smtClean="0"/>
-              <a:t> </a:t>
-            </a:r>
-            <a:r>
-              <a:rPr lang="en-US" dirty="0" smtClean="0"/>
-              <a:t>consider revising. At the same time, they are a bonus (and the reason things can/do move quick). Be grateful!</a:t>
-            </a:r>
+              <a:t> say too hard, some say too easy, some say too specific, some say too unspecific. To me the biggest thing I learned this year was to ensure more time for the projects. That’s where you get to go in more depth </a:t>
+            </a:r>
+            <a:r>
+              <a:rPr lang="en-US" baseline="0" dirty="0" smtClean="0">
+                <a:sym typeface="Wingdings"/>
+              </a:rPr>
+              <a:t>.</a:t>
+            </a:r>
+            <a:endParaRPr lang="en-US" dirty="0" smtClean="0"/>
           </a:p>
         </p:txBody>
       </p:sp>
@@ -1768,6 +1657,10 @@
             <a:r>
               <a:rPr lang="en-US" baseline="0" dirty="0" smtClean="0"/>
               <a:t> Don’t let me stop you! </a:t>
+            </a:r>
+            <a:r>
+              <a:rPr lang="en-US" baseline="0" dirty="0" smtClean="0"/>
+              <a:t>Incorporating more in the bytes is hard, but please connect with me if you have questions about how to use more in the projects.</a:t>
             </a:r>
             <a:endParaRPr lang="en-US" dirty="0" smtClean="0"/>
           </a:p>
@@ -2326,7 +2219,7 @@
             <a:fld id="{FA3C144B-2939-9A49-B014-915EC3E81866}" type="datetime1">
               <a:rPr lang="en-US" smtClean="0"/>
               <a:pPr/>
-              <a:t>2/24/15</a:t>
+              <a:t>2/25/15</a:t>
             </a:fld>
             <a:endParaRPr lang="en-US" dirty="0"/>
           </a:p>
@@ -2755,7 +2648,7 @@
           <a:p>
             <a:fld id="{76838339-A875-5E45-AB3F-AAABD270346A}" type="datetime1">
               <a:rPr lang="en-US" smtClean="0"/>
-              <a:t>2/24/15</a:t>
+              <a:t>2/25/15</a:t>
             </a:fld>
             <a:endParaRPr lang="en-US"/>
           </a:p>
@@ -3041,7 +2934,7 @@
             <a:fld id="{FA3C144B-2939-9A49-B014-915EC3E81866}" type="datetime1">
               <a:rPr lang="en-US" smtClean="0"/>
               <a:pPr/>
-              <a:t>2/24/15</a:t>
+              <a:t>2/25/15</a:t>
             </a:fld>
             <a:endParaRPr lang="en-US" dirty="0"/>
           </a:p>
@@ -3523,7 +3416,7 @@
           <a:p>
             <a:fld id="{A73F672F-A5FB-5745-934A-1BF51CA5539C}" type="datetime1">
               <a:rPr lang="en-US" smtClean="0"/>
-              <a:t>2/24/15</a:t>
+              <a:t>2/25/15</a:t>
             </a:fld>
             <a:endParaRPr lang="en-US"/>
           </a:p>
@@ -3865,7 +3758,7 @@
             <a:fld id="{FA3C144B-2939-9A49-B014-915EC3E81866}" type="datetime1">
               <a:rPr lang="en-US" smtClean="0"/>
               <a:pPr/>
-              <a:t>2/24/15</a:t>
+              <a:t>2/25/15</a:t>
             </a:fld>
             <a:endParaRPr lang="en-US" dirty="0"/>
           </a:p>
@@ -4329,7 +4222,7 @@
           <a:p>
             <a:fld id="{6AFE6A63-5EBE-3E48-B0AE-DF655A1ECE76}" type="datetime1">
               <a:rPr lang="en-US" smtClean="0"/>
-              <a:t>2/24/15</a:t>
+              <a:t>2/25/15</a:t>
             </a:fld>
             <a:endParaRPr lang="en-US"/>
           </a:p>
@@ -4648,7 +4541,7 @@
           <a:p>
             <a:fld id="{4A019F0C-9D18-B54A-9AC9-18AA74EDB034}" type="datetime1">
               <a:rPr lang="en-US" smtClean="0"/>
-              <a:t>2/24/15</a:t>
+              <a:t>2/25/15</a:t>
             </a:fld>
             <a:endParaRPr lang="en-US"/>
           </a:p>
@@ -4958,7 +4851,7 @@
             <a:fld id="{FA3C144B-2939-9A49-B014-915EC3E81866}" type="datetime1">
               <a:rPr lang="en-US" smtClean="0"/>
               <a:pPr/>
-              <a:t>2/24/15</a:t>
+              <a:t>2/25/15</a:t>
             </a:fld>
             <a:endParaRPr lang="en-US" dirty="0"/>
           </a:p>
@@ -5221,7 +5114,7 @@
           <a:p>
             <a:fld id="{FA3C144B-2939-9A49-B014-915EC3E81866}" type="datetime1">
               <a:rPr lang="en-US" smtClean="0"/>
-              <a:t>2/24/15</a:t>
+              <a:t>2/25/15</a:t>
             </a:fld>
             <a:endParaRPr lang="en-US" dirty="0"/>
           </a:p>
@@ -5589,7 +5482,7 @@
           <a:p>
             <a:fld id="{7053BEFA-1175-F644-B249-7D41D72BD3FF}" type="datetime1">
               <a:rPr lang="en-US" smtClean="0"/>
-              <a:t>2/24/15</a:t>
+              <a:t>2/25/15</a:t>
             </a:fld>
             <a:endParaRPr lang="en-US"/>
           </a:p>
@@ -5708,7 +5601,7 @@
             <a:fld id="{FA3C144B-2939-9A49-B014-915EC3E81866}" type="datetime1">
               <a:rPr lang="en-US" smtClean="0"/>
               <a:pPr/>
-              <a:t>2/24/15</a:t>
+              <a:t>2/25/15</a:t>
             </a:fld>
             <a:endParaRPr lang="en-US" dirty="0"/>
           </a:p>
@@ -5925,7 +5818,7 @@
             <a:fld id="{FA3C144B-2939-9A49-B014-915EC3E81866}" type="datetime1">
               <a:rPr lang="en-US" smtClean="0"/>
               <a:pPr/>
-              <a:t>2/24/15</a:t>
+              <a:t>2/25/15</a:t>
             </a:fld>
             <a:endParaRPr lang="en-US" dirty="0"/>
           </a:p>
@@ -6170,7 +6063,7 @@
             <a:fld id="{FA3C144B-2939-9A49-B014-915EC3E81866}" type="datetime1">
               <a:rPr lang="en-US" smtClean="0"/>
               <a:pPr/>
-              <a:t>2/24/15</a:t>
+              <a:t>2/25/15</a:t>
             </a:fld>
             <a:endParaRPr lang="en-US" dirty="0"/>
           </a:p>
@@ -6548,7 +6441,7 @@
           <a:p>
             <a:fld id="{111EEF3B-ABF2-AA4E-9E24-0C6256942674}" type="datetime1">
               <a:rPr lang="en-US" smtClean="0"/>
-              <a:t>2/24/15</a:t>
+              <a:t>2/25/15</a:t>
             </a:fld>
             <a:endParaRPr lang="en-US"/>
           </a:p>
@@ -6712,7 +6605,7 @@
             <a:fld id="{FA3C144B-2939-9A49-B014-915EC3E81866}" type="datetime1">
               <a:rPr lang="en-US" smtClean="0"/>
               <a:pPr/>
-              <a:t>2/24/15</a:t>
+              <a:t>2/25/15</a:t>
             </a:fld>
             <a:endParaRPr lang="en-US" dirty="0"/>
           </a:p>
@@ -7129,7 +7022,7 @@
             <a:fld id="{FA3C144B-2939-9A49-B014-915EC3E81866}" type="datetime1">
               <a:rPr lang="en-US" smtClean="0"/>
               <a:pPr/>
-              <a:t>2/24/15</a:t>
+              <a:t>2/25/15</a:t>
             </a:fld>
             <a:endParaRPr lang="en-US" dirty="0"/>
           </a:p>
@@ -7445,7 +7338,7 @@
             <a:fld id="{FA3C144B-2939-9A49-B014-915EC3E81866}" type="datetime1">
               <a:rPr lang="en-US" smtClean="0"/>
               <a:pPr/>
-              <a:t>2/24/15</a:t>
+              <a:t>2/25/15</a:t>
             </a:fld>
             <a:endParaRPr lang="en-US" dirty="0"/>
           </a:p>
@@ -8111,7 +8004,7 @@
             <a:fld id="{FA3C144B-2939-9A49-B014-915EC3E81866}" type="datetime1">
               <a:rPr lang="en-US" smtClean="0"/>
               <a:pPr/>
-              <a:t>2/24/15</a:t>
+              <a:t>2/25/15</a:t>
             </a:fld>
             <a:endParaRPr lang="en-US" dirty="0"/>
           </a:p>
@@ -9317,7 +9210,7 @@
           <a:p>
             <a:fld id="{7053BEFA-1175-F644-B249-7D41D72BD3FF}" type="datetime1">
               <a:rPr lang="en-US" smtClean="0"/>
-              <a:t>2/24/15</a:t>
+              <a:t>2/25/15</a:t>
             </a:fld>
             <a:endParaRPr lang="en-US"/>
           </a:p>
@@ -9375,6 +9268,13 @@
   <p:clrMapOvr>
     <a:masterClrMapping/>
   </p:clrMapOvr>
+  <p:timing>
+    <p:tnLst>
+      <p:par>
+        <p:cTn xmlns:p14="http://schemas.microsoft.com/office/powerpoint/2010/main" id="1" dur="indefinite" restart="never" nodeType="tmRoot"/>
+      </p:par>
+    </p:tnLst>
+  </p:timing>
 </p:sld>
 </file>
 
@@ -9411,7 +9311,7 @@
           <a:graphicData uri="http://schemas.openxmlformats.org/presentationml/2006/ole">
             <mc:AlternateContent xmlns:mc="http://schemas.openxmlformats.org/markup-compatibility/2006">
               <mc:Choice xmlns:v="urn:schemas-microsoft-com:vml" Requires="v">
-                <p:oleObj spid="_x0000_s10283" name="Chart" r:id="rId4" imgW="5562600" imgH="3781552" progId="Excel.Chart.8">
+                <p:oleObj spid="_x0000_s10294" name="Chart" r:id="rId4" imgW="5562600" imgH="3781552" progId="Excel.Chart.8">
                   <p:embed/>
                 </p:oleObj>
               </mc:Choice>
@@ -9615,7 +9515,7 @@
           <a:graphicData uri="http://schemas.openxmlformats.org/presentationml/2006/ole">
             <mc:AlternateContent xmlns:mc="http://schemas.openxmlformats.org/markup-compatibility/2006">
               <mc:Choice xmlns:v="urn:schemas-microsoft-com:vml" Requires="v">
-                <p:oleObj spid="_x0000_s10284" name="Equation" r:id="rId6" imgW="3200400" imgH="203040" progId="Equation.3">
+                <p:oleObj spid="_x0000_s10295" name="Equation" r:id="rId6" imgW="3200400" imgH="203040" progId="Equation.3">
                   <p:embed/>
                 </p:oleObj>
               </mc:Choice>
@@ -13688,7 +13588,6 @@
               <a:rPr lang="en-US" dirty="0" smtClean="0"/>
               <a:t>                </a:t>
             </a:r>
-            <a:endParaRPr lang="en-US" dirty="0" smtClean="0"/>
           </a:p>
           <a:p>
             <a:pPr marL="0" indent="0">
@@ -13747,7 +13646,7 @@
           <a:graphicData uri="http://schemas.openxmlformats.org/presentationml/2006/ole">
             <mc:AlternateContent xmlns:mc="http://schemas.openxmlformats.org/markup-compatibility/2006">
               <mc:Choice xmlns:v="urn:schemas-microsoft-com:vml" Requires="v">
-                <p:oleObj spid="_x0000_s12306" name="Equation" r:id="rId4" imgW="1841500" imgH="584200" progId="Equation.3">
+                <p:oleObj spid="_x0000_s12327" name="Equation" r:id="rId4" imgW="1841500" imgH="584200" progId="Equation.3">
                   <p:embed/>
                 </p:oleObj>
               </mc:Choice>
@@ -13817,7 +13716,7 @@
           <a:graphicData uri="http://schemas.openxmlformats.org/presentationml/2006/ole">
             <mc:AlternateContent xmlns:mc="http://schemas.openxmlformats.org/markup-compatibility/2006">
               <mc:Choice xmlns:v="urn:schemas-microsoft-com:vml" Requires="v">
-                <p:oleObj spid="_x0000_s12307" name="Equation" r:id="rId6" imgW="1003300" imgH="533400" progId="Equation.3">
+                <p:oleObj spid="_x0000_s12328" name="Equation" r:id="rId6" imgW="1003300" imgH="533400" progId="Equation.3">
                   <p:embed/>
                 </p:oleObj>
               </mc:Choice>
@@ -13883,7 +13782,7 @@
           <a:graphicData uri="http://schemas.openxmlformats.org/presentationml/2006/ole">
             <mc:AlternateContent xmlns:mc="http://schemas.openxmlformats.org/markup-compatibility/2006">
               <mc:Choice xmlns:v="urn:schemas-microsoft-com:vml" Requires="v">
-                <p:oleObj spid="_x0000_s12308" name="Equation" r:id="rId8" imgW="736560" imgH="647640" progId="Equation.3">
+                <p:oleObj spid="_x0000_s12329" name="Equation" r:id="rId8" imgW="736560" imgH="647640" progId="Equation.3">
                   <p:embed/>
                 </p:oleObj>
               </mc:Choice>
@@ -13961,7 +13860,7 @@
           <a:graphicData uri="http://schemas.openxmlformats.org/presentationml/2006/ole">
             <mc:AlternateContent xmlns:mc="http://schemas.openxmlformats.org/markup-compatibility/2006">
               <mc:Choice xmlns:v="urn:schemas-microsoft-com:vml" Requires="v">
-                <p:oleObj spid="_x0000_s12309" name="Equation" r:id="rId10" imgW="1054100" imgH="279400" progId="Equation.3">
+                <p:oleObj spid="_x0000_s12330" name="Equation" r:id="rId10" imgW="1054100" imgH="279400" progId="Equation.3">
                   <p:embed/>
                 </p:oleObj>
               </mc:Choice>
@@ -14081,11 +13980,7 @@
             </a:br>
             <a:r>
               <a:rPr lang="en-US" dirty="0" smtClean="0"/>
-              <a:t>know the ‘true’ population </a:t>
-            </a:r>
-            <a:r>
-              <a:rPr lang="en-US" dirty="0" smtClean="0"/>
-              <a:t>has R</a:t>
+              <a:t>know the ‘true’ population has R</a:t>
             </a:r>
             <a:r>
               <a:rPr lang="en-US" baseline="30000" dirty="0" smtClean="0"/>
@@ -14324,16 +14219,7 @@
                 </a:solidFill>
                 <a:latin typeface="Tahoma" charset="0"/>
               </a:rPr>
-              <a:t>(</a:t>
-            </a:r>
-            <a:r>
-              <a:rPr lang="en-US" sz="1200" b="0" baseline="0" dirty="0" smtClean="0">
-                <a:solidFill>
-                  <a:schemeClr val="tx1"/>
-                </a:solidFill>
-                <a:latin typeface="Tahoma" charset="0"/>
-              </a:rPr>
-              <a:t>Figure </a:t>
+              <a:t>(Figure </a:t>
             </a:r>
             <a:r>
               <a:rPr lang="en-US" sz="1200" b="0" baseline="0" dirty="0">
@@ -14680,16 +14566,7 @@
                 </a:solidFill>
                 <a:latin typeface="Tahoma" charset="0"/>
               </a:rPr>
-              <a:t>(</a:t>
-            </a:r>
-            <a:r>
-              <a:rPr lang="en-US" sz="1200" b="0" baseline="0" dirty="0" smtClean="0">
-                <a:solidFill>
-                  <a:schemeClr val="tx1"/>
-                </a:solidFill>
-                <a:latin typeface="Tahoma" charset="0"/>
-              </a:rPr>
-              <a:t>Figure </a:t>
+              <a:t>(Figure </a:t>
             </a:r>
             <a:r>
               <a:rPr lang="en-US" sz="1200" b="0" baseline="0" dirty="0">
@@ -15044,16 +14921,7 @@
                 </a:solidFill>
                 <a:latin typeface="Tahoma" charset="0"/>
               </a:rPr>
-              <a:t>(</a:t>
-            </a:r>
-            <a:r>
-              <a:rPr lang="en-US" sz="1200" b="0" baseline="0" dirty="0" smtClean="0">
-                <a:solidFill>
-                  <a:schemeClr val="tx1"/>
-                </a:solidFill>
-                <a:latin typeface="Tahoma" charset="0"/>
-              </a:rPr>
-              <a:t>Figure </a:t>
+              <a:t>(Figure </a:t>
             </a:r>
             <a:r>
               <a:rPr lang="en-US" sz="1200" b="0" baseline="0" dirty="0">
@@ -15194,11 +15062,7 @@
           <a:p>
             <a:r>
               <a:rPr lang="en-US" dirty="0" smtClean="0"/>
-              <a:t>Quiz	</a:t>
-            </a:r>
-            <a:r>
-              <a:rPr lang="en-US" dirty="0" smtClean="0"/>
-              <a:t>6</a:t>
+              <a:t>Quiz	6</a:t>
             </a:r>
             <a:endParaRPr lang="en-US" dirty="0"/>
           </a:p>
@@ -15243,7 +15107,7 @@
           <a:p>
             <a:fld id="{7053BEFA-1175-F644-B249-7D41D72BD3FF}" type="datetime1">
               <a:rPr lang="en-US" smtClean="0"/>
-              <a:t>2/24/15</a:t>
+              <a:t>2/25/15</a:t>
             </a:fld>
             <a:endParaRPr lang="en-US"/>
           </a:p>
@@ -15393,8 +15257,9 @@
             </a:r>
             <a:r>
               <a:rPr lang="en-US" dirty="0" smtClean="0"/>
-              <a:t>examples (many of you)</a:t>
-            </a:r>
+              <a:t>examples</a:t>
+            </a:r>
+            <a:endParaRPr lang="en-US" dirty="0" smtClean="0"/>
           </a:p>
         </p:txBody>
       </p:sp>
@@ -15415,7 +15280,7 @@
           <a:p>
             <a:fld id="{7053BEFA-1175-F644-B249-7D41D72BD3FF}" type="datetime1">
               <a:rPr lang="en-US" smtClean="0"/>
-              <a:t>2/24/15</a:t>
+              <a:t>2/25/15</a:t>
             </a:fld>
             <a:endParaRPr lang="en-US"/>
           </a:p>
@@ -15565,7 +15430,7 @@
             </a:r>
             <a:r>
               <a:rPr lang="en-US" dirty="0" smtClean="0"/>
-              <a:t>examples (many of you)</a:t>
+              <a:t>examples </a:t>
             </a:r>
           </a:p>
           <a:p>
@@ -15574,8 +15439,9 @@
             </a:pPr>
             <a:r>
               <a:rPr lang="en-US" dirty="0" smtClean="0"/>
-              <a:t>Tutorial difficulties</a:t>
-            </a:r>
+              <a:t>Byte / tutorial difficulties</a:t>
+            </a:r>
+            <a:endParaRPr lang="en-US" dirty="0" smtClean="0"/>
           </a:p>
         </p:txBody>
       </p:sp>
@@ -15596,7 +15462,7 @@
           <a:p>
             <a:fld id="{7053BEFA-1175-F644-B249-7D41D72BD3FF}" type="datetime1">
               <a:rPr lang="en-US" smtClean="0"/>
-              <a:t>2/24/15</a:t>
+              <a:t>2/25/15</a:t>
             </a:fld>
             <a:endParaRPr lang="en-US"/>
           </a:p>
@@ -15769,7 +15635,7 @@
           <a:p>
             <a:fld id="{7053BEFA-1175-F644-B249-7D41D72BD3FF}" type="datetime1">
               <a:rPr lang="en-US" smtClean="0"/>
-              <a:t>2/24/15</a:t>
+              <a:t>2/25/15</a:t>
             </a:fld>
             <a:endParaRPr lang="en-US"/>
           </a:p>
@@ -15915,11 +15781,7 @@
             </a:pPr>
             <a:r>
               <a:rPr lang="en-US" dirty="0"/>
-              <a:t>More </a:t>
-            </a:r>
-            <a:r>
-              <a:rPr lang="en-US" dirty="0" smtClean="0"/>
-              <a:t>examples (many of you)</a:t>
+              <a:t>More examples </a:t>
             </a:r>
           </a:p>
           <a:p>
@@ -15927,8 +15789,8 @@
               <a:buNone/>
             </a:pPr>
             <a:r>
-              <a:rPr lang="en-US" dirty="0" smtClean="0"/>
-              <a:t>Tutorial difficulties</a:t>
+              <a:rPr lang="en-US" dirty="0"/>
+              <a:t>Byte / tutorial difficulties</a:t>
             </a:r>
           </a:p>
           <a:p>
@@ -15937,7 +15799,11 @@
             </a:pPr>
             <a:r>
               <a:rPr lang="en-US" dirty="0" smtClean="0"/>
-              <a:t>More datasets</a:t>
+              <a:t>More </a:t>
+            </a:r>
+            <a:r>
+              <a:rPr lang="en-US" dirty="0" smtClean="0"/>
+              <a:t>datasets</a:t>
             </a:r>
           </a:p>
         </p:txBody>
@@ -15959,7 +15825,7 @@
           <a:p>
             <a:fld id="{7053BEFA-1175-F644-B249-7D41D72BD3FF}" type="datetime1">
               <a:rPr lang="en-US" smtClean="0"/>
-              <a:t>2/24/15</a:t>
+              <a:t>2/25/15</a:t>
             </a:fld>
             <a:endParaRPr lang="en-US"/>
           </a:p>
@@ -16017,6 +15883,13 @@
   <p:clrMapOvr>
     <a:masterClrMapping/>
   </p:clrMapOvr>
+  <p:timing>
+    <p:tnLst>
+      <p:par>
+        <p:cTn xmlns:p14="http://schemas.microsoft.com/office/powerpoint/2010/main" id="1" dur="indefinite" restart="never" nodeType="tmRoot"/>
+      </p:par>
+    </p:tnLst>
+  </p:timing>
 </p:sld>
 </file>
 
@@ -16098,11 +15971,7 @@
             </a:pPr>
             <a:r>
               <a:rPr lang="en-US" dirty="0"/>
-              <a:t>More </a:t>
-            </a:r>
-            <a:r>
-              <a:rPr lang="en-US" dirty="0" smtClean="0"/>
-              <a:t>examples (many of you)</a:t>
+              <a:t>More examples </a:t>
             </a:r>
           </a:p>
           <a:p>
@@ -16110,8 +15979,8 @@
               <a:buNone/>
             </a:pPr>
             <a:r>
-              <a:rPr lang="en-US" dirty="0" smtClean="0"/>
-              <a:t>Tutorial difficulties</a:t>
+              <a:rPr lang="en-US" dirty="0"/>
+              <a:t>Byte / tutorial difficulties</a:t>
             </a:r>
           </a:p>
           <a:p>
@@ -16129,8 +15998,9 @@
             </a:pPr>
             <a:r>
               <a:rPr lang="en-US" dirty="0" smtClean="0"/>
-              <a:t>More time </a:t>
-            </a:r>
+              <a:t>Big Data</a:t>
+            </a:r>
+            <a:endParaRPr lang="en-US" dirty="0" smtClean="0"/>
           </a:p>
         </p:txBody>
       </p:sp>
@@ -16151,7 +16021,7 @@
           <a:p>
             <a:fld id="{7053BEFA-1175-F644-B249-7D41D72BD3FF}" type="datetime1">
               <a:rPr lang="en-US" smtClean="0"/>
-              <a:t>2/24/15</a:t>
+              <a:t>2/25/15</a:t>
             </a:fld>
             <a:endParaRPr lang="en-US"/>
           </a:p>
@@ -16209,207 +16079,13 @@
   <p:clrMapOvr>
     <a:masterClrMapping/>
   </p:clrMapOvr>
-</p:sld>
-</file>
-
-<file path=ppt/slides/slide22.xml><?xml version="1.0" encoding="utf-8"?>
-<p:sld xmlns:a="http://schemas.openxmlformats.org/drawingml/2006/main" xmlns:r="http://schemas.openxmlformats.org/officeDocument/2006/relationships" xmlns:p="http://schemas.openxmlformats.org/presentationml/2006/main">
-  <p:cSld>
-    <p:spTree>
-      <p:nvGrpSpPr>
-        <p:cNvPr id="1" name=""/>
-        <p:cNvGrpSpPr/>
-        <p:nvPr/>
-      </p:nvGrpSpPr>
-      <p:grpSpPr>
-        <a:xfrm>
-          <a:off x="0" y="0"/>
-          <a:ext cx="0" cy="0"/>
-          <a:chOff x="0" y="0"/>
-          <a:chExt cx="0" cy="0"/>
-        </a:xfrm>
-      </p:grpSpPr>
-      <p:sp>
-        <p:nvSpPr>
-          <p:cNvPr id="2" name="Title 1"/>
-          <p:cNvSpPr>
-            <a:spLocks noGrp="1"/>
-          </p:cNvSpPr>
-          <p:nvPr>
-            <p:ph type="title"/>
-          </p:nvPr>
-        </p:nvSpPr>
-        <p:spPr/>
-        <p:txBody>
-          <a:bodyPr/>
-          <a:lstStyle/>
-          <a:p>
-            <a:r>
-              <a:rPr lang="en-US" dirty="0" smtClean="0"/>
-              <a:t>Feedback: Biggest Issues</a:t>
-            </a:r>
-            <a:endParaRPr lang="en-US" dirty="0"/>
-          </a:p>
-        </p:txBody>
-      </p:sp>
-      <p:sp>
-        <p:nvSpPr>
-          <p:cNvPr id="3" name="Content Placeholder 2"/>
-          <p:cNvSpPr>
-            <a:spLocks noGrp="1"/>
-          </p:cNvSpPr>
-          <p:nvPr>
-            <p:ph idx="1"/>
-          </p:nvPr>
-        </p:nvSpPr>
-        <p:spPr/>
-        <p:txBody>
-          <a:bodyPr/>
-          <a:lstStyle/>
-          <a:p>
-            <a:pPr marL="0" indent="0">
-              <a:buNone/>
-            </a:pPr>
-            <a:r>
-              <a:rPr lang="en-US" dirty="0" smtClean="0"/>
-              <a:t>Thanks for your helpfulness &amp; honesty</a:t>
-            </a:r>
-          </a:p>
-          <a:p>
-            <a:pPr marL="0" indent="0">
-              <a:buNone/>
-            </a:pPr>
-            <a:r>
-              <a:rPr lang="en-US" dirty="0" smtClean="0"/>
-              <a:t>Can’t address everything now (or even this year) but a few comments</a:t>
-            </a:r>
-          </a:p>
-          <a:p>
-            <a:pPr marL="0" lvl="0" indent="0">
-              <a:buNone/>
-            </a:pPr>
-            <a:r>
-              <a:rPr lang="en-US" dirty="0"/>
-              <a:t>More </a:t>
-            </a:r>
-            <a:r>
-              <a:rPr lang="en-US" dirty="0" smtClean="0"/>
-              <a:t>examples (many of you)</a:t>
-            </a:r>
-          </a:p>
-          <a:p>
-            <a:pPr marL="0" lvl="0" indent="0">
-              <a:buNone/>
-            </a:pPr>
-            <a:r>
-              <a:rPr lang="en-US" dirty="0" smtClean="0"/>
-              <a:t>Tutorial difficulties</a:t>
-            </a:r>
-          </a:p>
-          <a:p>
-            <a:pPr marL="0" lvl="0" indent="0">
-              <a:buNone/>
-            </a:pPr>
-            <a:r>
-              <a:rPr lang="en-US" dirty="0" smtClean="0"/>
-              <a:t>More datasets</a:t>
-            </a:r>
-          </a:p>
-          <a:p>
-            <a:pPr marL="0" lvl="0" indent="0">
-              <a:buNone/>
-            </a:pPr>
-            <a:r>
-              <a:rPr lang="en-US" dirty="0" smtClean="0"/>
-              <a:t>More time </a:t>
-            </a:r>
-          </a:p>
-          <a:p>
-            <a:pPr marL="0" lvl="0" indent="0">
-              <a:buNone/>
-            </a:pPr>
-            <a:r>
-              <a:rPr lang="en-US" dirty="0" smtClean="0"/>
-              <a:t>Big Data</a:t>
-            </a:r>
-          </a:p>
-        </p:txBody>
-      </p:sp>
-      <p:sp>
-        <p:nvSpPr>
-          <p:cNvPr id="4" name="Date Placeholder 3"/>
-          <p:cNvSpPr>
-            <a:spLocks noGrp="1"/>
-          </p:cNvSpPr>
-          <p:nvPr>
-            <p:ph type="dt" sz="half" idx="10"/>
-          </p:nvPr>
-        </p:nvSpPr>
-        <p:spPr/>
-        <p:txBody>
-          <a:bodyPr/>
-          <a:lstStyle/>
-          <a:p>
-            <a:fld id="{7053BEFA-1175-F644-B249-7D41D72BD3FF}" type="datetime1">
-              <a:rPr lang="en-US" smtClean="0"/>
-              <a:t>2/24/15</a:t>
-            </a:fld>
-            <a:endParaRPr lang="en-US"/>
-          </a:p>
-        </p:txBody>
-      </p:sp>
-      <p:sp>
-        <p:nvSpPr>
-          <p:cNvPr id="5" name="Footer Placeholder 4"/>
-          <p:cNvSpPr>
-            <a:spLocks noGrp="1"/>
-          </p:cNvSpPr>
-          <p:nvPr>
-            <p:ph type="ftr" sz="quarter" idx="11"/>
-          </p:nvPr>
-        </p:nvSpPr>
-        <p:spPr/>
-        <p:txBody>
-          <a:bodyPr/>
-          <a:lstStyle/>
-          <a:p>
-            <a:endParaRPr lang="en-US" dirty="0"/>
-          </a:p>
-        </p:txBody>
-      </p:sp>
-      <p:sp>
-        <p:nvSpPr>
-          <p:cNvPr id="6" name="Slide Number Placeholder 5"/>
-          <p:cNvSpPr>
-            <a:spLocks noGrp="1"/>
-          </p:cNvSpPr>
-          <p:nvPr>
-            <p:ph type="sldNum" sz="quarter" idx="12"/>
-          </p:nvPr>
-        </p:nvSpPr>
-        <p:spPr/>
-        <p:txBody>
-          <a:bodyPr/>
-          <a:lstStyle/>
-          <a:p>
-            <a:fld id="{17E276FA-8F89-B34D-A726-BE3FA1F8DD97}" type="slidenum">
-              <a:rPr lang="en-US" smtClean="0"/>
-              <a:t>22</a:t>
-            </a:fld>
-            <a:endParaRPr lang="en-US" dirty="0"/>
-          </a:p>
-        </p:txBody>
-      </p:sp>
-    </p:spTree>
-    <p:extLst>
-      <p:ext uri="{BB962C8B-B14F-4D97-AF65-F5344CB8AC3E}">
-        <p14:creationId xmlns:p14="http://schemas.microsoft.com/office/powerpoint/2010/main" val="1974648374"/>
-      </p:ext>
-    </p:extLst>
-  </p:cSld>
-  <p:clrMapOvr>
-    <a:masterClrMapping/>
-  </p:clrMapOvr>
+  <p:timing>
+    <p:tnLst>
+      <p:par>
+        <p:cTn xmlns:p14="http://schemas.microsoft.com/office/powerpoint/2010/main" id="1" dur="indefinite" restart="never" nodeType="tmRoot"/>
+      </p:par>
+    </p:tnLst>
+  </p:timing>
 </p:sld>
 </file>
 
@@ -16496,7 +16172,7 @@
           <a:p>
             <a:fld id="{7053BEFA-1175-F644-B249-7D41D72BD3FF}" type="datetime1">
               <a:rPr lang="en-US" smtClean="0"/>
-              <a:t>2/24/15</a:t>
+              <a:t>2/25/15</a:t>
             </a:fld>
             <a:endParaRPr lang="en-US"/>
           </a:p>
@@ -16566,7 +16242,7 @@
           <a:graphicData uri="http://schemas.openxmlformats.org/presentationml/2006/ole">
             <mc:AlternateContent xmlns:mc="http://schemas.openxmlformats.org/markup-compatibility/2006">
               <mc:Choice xmlns:v="urn:schemas-microsoft-com:vml" Requires="v">
-                <p:oleObj spid="_x0000_s2098" name="Equation" r:id="rId3" imgW="622300" imgH="482600" progId="Equation.3">
+                <p:oleObj spid="_x0000_s2104" name="Equation" r:id="rId3" imgW="622300" imgH="482600" progId="Equation.3">
                   <p:embed/>
                 </p:oleObj>
               </mc:Choice>
@@ -16619,6 +16295,13 @@
   <p:clrMapOvr>
     <a:masterClrMapping/>
   </p:clrMapOvr>
+  <p:timing>
+    <p:tnLst>
+      <p:par>
+        <p:cTn xmlns:p14="http://schemas.microsoft.com/office/powerpoint/2010/main" id="1" dur="indefinite" restart="never" nodeType="tmRoot"/>
+      </p:par>
+    </p:tnLst>
+  </p:timing>
 </p:sld>
 </file>
 
@@ -16732,7 +16415,7 @@
           <a:p>
             <a:fld id="{7053BEFA-1175-F644-B249-7D41D72BD3FF}" type="datetime1">
               <a:rPr lang="en-US" smtClean="0"/>
-              <a:t>2/24/15</a:t>
+              <a:t>2/25/15</a:t>
             </a:fld>
             <a:endParaRPr lang="en-US"/>
           </a:p>
@@ -16802,7 +16485,7 @@
           <a:graphicData uri="http://schemas.openxmlformats.org/presentationml/2006/ole">
             <mc:AlternateContent xmlns:mc="http://schemas.openxmlformats.org/markup-compatibility/2006">
               <mc:Choice xmlns:v="urn:schemas-microsoft-com:vml" Requires="v">
-                <p:oleObj spid="_x0000_s3122" name="Equation" r:id="rId3" imgW="622300" imgH="482600" progId="Equation.3">
+                <p:oleObj spid="_x0000_s3128" name="Equation" r:id="rId3" imgW="622300" imgH="482600" progId="Equation.3">
                   <p:embed/>
                 </p:oleObj>
               </mc:Choice>
@@ -16881,6 +16564,13 @@
   <p:clrMapOvr>
     <a:masterClrMapping/>
   </p:clrMapOvr>
+  <p:timing>
+    <p:tnLst>
+      <p:par>
+        <p:cTn xmlns:p14="http://schemas.microsoft.com/office/powerpoint/2010/main" id="1" dur="indefinite" restart="never" nodeType="tmRoot"/>
+      </p:par>
+    </p:tnLst>
+  </p:timing>
 </p:sld>
 </file>
 
@@ -17003,7 +16693,7 @@
           <a:p>
             <a:fld id="{7053BEFA-1175-F644-B249-7D41D72BD3FF}" type="datetime1">
               <a:rPr lang="en-US" smtClean="0"/>
-              <a:t>2/24/15</a:t>
+              <a:t>2/25/15</a:t>
             </a:fld>
             <a:endParaRPr lang="en-US"/>
           </a:p>
@@ -17073,7 +16763,7 @@
           <a:graphicData uri="http://schemas.openxmlformats.org/presentationml/2006/ole">
             <mc:AlternateContent xmlns:mc="http://schemas.openxmlformats.org/markup-compatibility/2006">
               <mc:Choice xmlns:v="urn:schemas-microsoft-com:vml" Requires="v">
-                <p:oleObj spid="_x0000_s5262" name="Equation" r:id="rId3" imgW="622300" imgH="482600" progId="Equation.3">
+                <p:oleObj spid="_x0000_s5278" name="Equation" r:id="rId3" imgW="622300" imgH="482600" progId="Equation.3">
                   <p:embed/>
                 </p:oleObj>
               </mc:Choice>
@@ -17164,7 +16854,7 @@
           <a:graphicData uri="http://schemas.openxmlformats.org/presentationml/2006/ole">
             <mc:AlternateContent xmlns:mc="http://schemas.openxmlformats.org/markup-compatibility/2006">
               <mc:Choice xmlns:v="urn:schemas-microsoft-com:vml" Requires="v">
-                <p:oleObj spid="_x0000_s5263" name="Equation" r:id="rId5" imgW="596900" imgH="457200" progId="Equation.3">
+                <p:oleObj spid="_x0000_s5279" name="Equation" r:id="rId5" imgW="596900" imgH="457200" progId="Equation.3">
                   <p:embed/>
                 </p:oleObj>
               </mc:Choice>
@@ -17230,7 +16920,7 @@
           <a:graphicData uri="http://schemas.openxmlformats.org/presentationml/2006/ole">
             <mc:AlternateContent xmlns:mc="http://schemas.openxmlformats.org/markup-compatibility/2006">
               <mc:Choice xmlns:v="urn:schemas-microsoft-com:vml" Requires="v">
-                <p:oleObj spid="_x0000_s5264" name="Equation" r:id="rId7" imgW="609600" imgH="419100" progId="Equation.3">
+                <p:oleObj spid="_x0000_s5280" name="Equation" r:id="rId7" imgW="609600" imgH="419100" progId="Equation.3">
                   <p:embed/>
                 </p:oleObj>
               </mc:Choice>
@@ -17284,6 +16974,13 @@
   <p:clrMapOvr>
     <a:masterClrMapping/>
   </p:clrMapOvr>
+  <p:timing>
+    <p:tnLst>
+      <p:par>
+        <p:cTn xmlns:p14="http://schemas.microsoft.com/office/powerpoint/2010/main" id="1" dur="indefinite" restart="never" nodeType="tmRoot"/>
+      </p:par>
+    </p:tnLst>
+  </p:timing>
 </p:sld>
 </file>
 
@@ -17423,7 +17120,7 @@
           <a:p>
             <a:fld id="{7053BEFA-1175-F644-B249-7D41D72BD3FF}" type="datetime1">
               <a:rPr lang="en-US" smtClean="0"/>
-              <a:t>2/24/15</a:t>
+              <a:t>2/25/15</a:t>
             </a:fld>
             <a:endParaRPr lang="en-US"/>
           </a:p>
@@ -17493,7 +17190,7 @@
           <a:graphicData uri="http://schemas.openxmlformats.org/presentationml/2006/ole">
             <mc:AlternateContent xmlns:mc="http://schemas.openxmlformats.org/markup-compatibility/2006">
               <mc:Choice xmlns:v="urn:schemas-microsoft-com:vml" Requires="v">
-                <p:oleObj spid="_x0000_s6280" name="Equation" r:id="rId3" imgW="622300" imgH="482600" progId="Equation.3">
+                <p:oleObj spid="_x0000_s6296" name="Equation" r:id="rId3" imgW="622300" imgH="482600" progId="Equation.3">
                   <p:embed/>
                 </p:oleObj>
               </mc:Choice>
@@ -17584,7 +17281,7 @@
           <a:graphicData uri="http://schemas.openxmlformats.org/presentationml/2006/ole">
             <mc:AlternateContent xmlns:mc="http://schemas.openxmlformats.org/markup-compatibility/2006">
               <mc:Choice xmlns:v="urn:schemas-microsoft-com:vml" Requires="v">
-                <p:oleObj spid="_x0000_s6281" name="Equation" r:id="rId5" imgW="596900" imgH="457200" progId="Equation.3">
+                <p:oleObj spid="_x0000_s6297" name="Equation" r:id="rId5" imgW="596900" imgH="457200" progId="Equation.3">
                   <p:embed/>
                 </p:oleObj>
               </mc:Choice>
@@ -17650,7 +17347,7 @@
           <a:graphicData uri="http://schemas.openxmlformats.org/presentationml/2006/ole">
             <mc:AlternateContent xmlns:mc="http://schemas.openxmlformats.org/markup-compatibility/2006">
               <mc:Choice xmlns:v="urn:schemas-microsoft-com:vml" Requires="v">
-                <p:oleObj spid="_x0000_s6282" name="Equation" r:id="rId7" imgW="609600" imgH="419100" progId="Equation.3">
+                <p:oleObj spid="_x0000_s6298" name="Equation" r:id="rId7" imgW="609600" imgH="419100" progId="Equation.3">
                   <p:embed/>
                 </p:oleObj>
               </mc:Choice>
@@ -17704,6 +17401,13 @@
   <p:clrMapOvr>
     <a:masterClrMapping/>
   </p:clrMapOvr>
+  <p:timing>
+    <p:tnLst>
+      <p:par>
+        <p:cTn xmlns:p14="http://schemas.microsoft.com/office/powerpoint/2010/main" id="1" dur="indefinite" restart="never" nodeType="tmRoot"/>
+      </p:par>
+    </p:tnLst>
+  </p:timing>
 </p:sld>
 </file>
 
@@ -17901,7 +17605,7 @@
           <a:p>
             <a:fld id="{7053BEFA-1175-F644-B249-7D41D72BD3FF}" type="datetime1">
               <a:rPr lang="en-US" smtClean="0"/>
-              <a:t>2/24/15</a:t>
+              <a:t>2/25/15</a:t>
             </a:fld>
             <a:endParaRPr lang="en-US"/>
           </a:p>
@@ -17971,7 +17675,7 @@
           <a:graphicData uri="http://schemas.openxmlformats.org/presentationml/2006/ole">
             <mc:AlternateContent xmlns:mc="http://schemas.openxmlformats.org/markup-compatibility/2006">
               <mc:Choice xmlns:v="urn:schemas-microsoft-com:vml" Requires="v">
-                <p:oleObj spid="_x0000_s7298" name="Equation" r:id="rId3" imgW="622300" imgH="482600" progId="Equation.3">
+                <p:oleObj spid="_x0000_s7314" name="Equation" r:id="rId3" imgW="622300" imgH="482600" progId="Equation.3">
                   <p:embed/>
                 </p:oleObj>
               </mc:Choice>
@@ -18062,7 +17766,7 @@
           <a:graphicData uri="http://schemas.openxmlformats.org/presentationml/2006/ole">
             <mc:AlternateContent xmlns:mc="http://schemas.openxmlformats.org/markup-compatibility/2006">
               <mc:Choice xmlns:v="urn:schemas-microsoft-com:vml" Requires="v">
-                <p:oleObj spid="_x0000_s7299" name="Equation" r:id="rId5" imgW="596900" imgH="457200" progId="Equation.3">
+                <p:oleObj spid="_x0000_s7315" name="Equation" r:id="rId5" imgW="596900" imgH="457200" progId="Equation.3">
                   <p:embed/>
                 </p:oleObj>
               </mc:Choice>
@@ -18128,7 +17832,7 @@
           <a:graphicData uri="http://schemas.openxmlformats.org/presentationml/2006/ole">
             <mc:AlternateContent xmlns:mc="http://schemas.openxmlformats.org/markup-compatibility/2006">
               <mc:Choice xmlns:v="urn:schemas-microsoft-com:vml" Requires="v">
-                <p:oleObj spid="_x0000_s7300" name="Equation" r:id="rId7" imgW="609600" imgH="419100" progId="Equation.3">
+                <p:oleObj spid="_x0000_s7316" name="Equation" r:id="rId7" imgW="609600" imgH="419100" progId="Equation.3">
                   <p:embed/>
                 </p:oleObj>
               </mc:Choice>
@@ -18182,6 +17886,13 @@
   <p:clrMapOvr>
     <a:masterClrMapping/>
   </p:clrMapOvr>
+  <p:timing>
+    <p:tnLst>
+      <p:par>
+        <p:cTn xmlns:p14="http://schemas.microsoft.com/office/powerpoint/2010/main" id="1" dur="indefinite" restart="never" nodeType="tmRoot"/>
+      </p:par>
+    </p:tnLst>
+  </p:timing>
 </p:sld>
 </file>
 
@@ -18313,7 +18024,7 @@
           <a:p>
             <a:fld id="{7053BEFA-1175-F644-B249-7D41D72BD3FF}" type="datetime1">
               <a:rPr lang="en-US" smtClean="0"/>
-              <a:t>2/24/15</a:t>
+              <a:t>2/25/15</a:t>
             </a:fld>
             <a:endParaRPr lang="en-US"/>
           </a:p>
@@ -18383,7 +18094,7 @@
           <a:graphicData uri="http://schemas.openxmlformats.org/presentationml/2006/ole">
             <mc:AlternateContent xmlns:mc="http://schemas.openxmlformats.org/markup-compatibility/2006">
               <mc:Choice xmlns:v="urn:schemas-microsoft-com:vml" Requires="v">
-                <p:oleObj spid="_x0000_s1264" name="Equation" r:id="rId3" imgW="622300" imgH="482600" progId="Equation.3">
+                <p:oleObj spid="_x0000_s1295" name="Equation" r:id="rId3" imgW="622300" imgH="482600" progId="Equation.3">
                   <p:embed/>
                 </p:oleObj>
               </mc:Choice>
@@ -18474,7 +18185,7 @@
           <a:graphicData uri="http://schemas.openxmlformats.org/presentationml/2006/ole">
             <mc:AlternateContent xmlns:mc="http://schemas.openxmlformats.org/markup-compatibility/2006">
               <mc:Choice xmlns:v="urn:schemas-microsoft-com:vml" Requires="v">
-                <p:oleObj spid="_x0000_s1265" name="Equation" r:id="rId5" imgW="596900" imgH="457200" progId="Equation.3">
+                <p:oleObj spid="_x0000_s1296" name="Equation" r:id="rId5" imgW="596900" imgH="457200" progId="Equation.3">
                   <p:embed/>
                 </p:oleObj>
               </mc:Choice>
@@ -18540,7 +18251,7 @@
           <a:graphicData uri="http://schemas.openxmlformats.org/presentationml/2006/ole">
             <mc:AlternateContent xmlns:mc="http://schemas.openxmlformats.org/markup-compatibility/2006">
               <mc:Choice xmlns:v="urn:schemas-microsoft-com:vml" Requires="v">
-                <p:oleObj spid="_x0000_s1266" name="Equation" r:id="rId7" imgW="609600" imgH="419100" progId="Equation.3">
+                <p:oleObj spid="_x0000_s1297" name="Equation" r:id="rId7" imgW="609600" imgH="419100" progId="Equation.3">
                   <p:embed/>
                 </p:oleObj>
               </mc:Choice>
@@ -18606,7 +18317,7 @@
           <a:graphicData uri="http://schemas.openxmlformats.org/presentationml/2006/ole">
             <mc:AlternateContent xmlns:mc="http://schemas.openxmlformats.org/markup-compatibility/2006">
               <mc:Choice xmlns:v="urn:schemas-microsoft-com:vml" Requires="v">
-                <p:oleObj spid="_x0000_s1267" name="Equation" r:id="rId9" imgW="723900" imgH="228600" progId="Equation.3">
+                <p:oleObj spid="_x0000_s1298" name="Equation" r:id="rId9" imgW="723900" imgH="228600" progId="Equation.3">
                   <p:embed/>
                 </p:oleObj>
               </mc:Choice>
@@ -18672,7 +18383,7 @@
           <a:graphicData uri="http://schemas.openxmlformats.org/presentationml/2006/ole">
             <mc:AlternateContent xmlns:mc="http://schemas.openxmlformats.org/markup-compatibility/2006">
               <mc:Choice xmlns:v="urn:schemas-microsoft-com:vml" Requires="v">
-                <p:oleObj spid="_x0000_s1268" name="Equation" r:id="rId11" imgW="723900" imgH="228600" progId="Equation.3">
+                <p:oleObj spid="_x0000_s1299" name="Equation" r:id="rId11" imgW="723900" imgH="228600" progId="Equation.3">
                   <p:embed/>
                 </p:oleObj>
               </mc:Choice>
@@ -18738,7 +18449,7 @@
           <a:graphicData uri="http://schemas.openxmlformats.org/presentationml/2006/ole">
             <mc:AlternateContent xmlns:mc="http://schemas.openxmlformats.org/markup-compatibility/2006">
               <mc:Choice xmlns:v="urn:schemas-microsoft-com:vml" Requires="v">
-                <p:oleObj spid="_x0000_s1269" name="Equation" r:id="rId13" imgW="787400" imgH="228600" progId="Equation.3">
+                <p:oleObj spid="_x0000_s1300" name="Equation" r:id="rId13" imgW="787400" imgH="228600" progId="Equation.3">
                   <p:embed/>
                 </p:oleObj>
               </mc:Choice>
@@ -18846,6 +18557,13 @@
   <p:clrMapOvr>
     <a:masterClrMapping/>
   </p:clrMapOvr>
+  <p:timing>
+    <p:tnLst>
+      <p:par>
+        <p:cTn xmlns:p14="http://schemas.microsoft.com/office/powerpoint/2010/main" id="1" dur="indefinite" restart="never" nodeType="tmRoot"/>
+      </p:par>
+    </p:tnLst>
+  </p:timing>
 </p:sld>
 </file>
 
@@ -18977,7 +18695,7 @@
           <a:p>
             <a:fld id="{7053BEFA-1175-F644-B249-7D41D72BD3FF}" type="datetime1">
               <a:rPr lang="en-US" smtClean="0"/>
-              <a:t>2/24/15</a:t>
+              <a:t>2/25/15</a:t>
             </a:fld>
             <a:endParaRPr lang="en-US"/>
           </a:p>
@@ -19047,7 +18765,7 @@
           <a:graphicData uri="http://schemas.openxmlformats.org/presentationml/2006/ole">
             <mc:AlternateContent xmlns:mc="http://schemas.openxmlformats.org/markup-compatibility/2006">
               <mc:Choice xmlns:v="urn:schemas-microsoft-com:vml" Requires="v">
-                <p:oleObj spid="_x0000_s8309" name="Equation" r:id="rId3" imgW="622300" imgH="482600" progId="Equation.3">
+                <p:oleObj spid="_x0000_s8330" name="Equation" r:id="rId3" imgW="622300" imgH="482600" progId="Equation.3">
                   <p:embed/>
                 </p:oleObj>
               </mc:Choice>
@@ -19138,7 +18856,7 @@
           <a:graphicData uri="http://schemas.openxmlformats.org/presentationml/2006/ole">
             <mc:AlternateContent xmlns:mc="http://schemas.openxmlformats.org/markup-compatibility/2006">
               <mc:Choice xmlns:v="urn:schemas-microsoft-com:vml" Requires="v">
-                <p:oleObj spid="_x0000_s8310" name="Equation" r:id="rId5" imgW="596900" imgH="457200" progId="Equation.3">
+                <p:oleObj spid="_x0000_s8331" name="Equation" r:id="rId5" imgW="596900" imgH="457200" progId="Equation.3">
                   <p:embed/>
                 </p:oleObj>
               </mc:Choice>
@@ -19204,7 +18922,7 @@
           <a:graphicData uri="http://schemas.openxmlformats.org/presentationml/2006/ole">
             <mc:AlternateContent xmlns:mc="http://schemas.openxmlformats.org/markup-compatibility/2006">
               <mc:Choice xmlns:v="urn:schemas-microsoft-com:vml" Requires="v">
-                <p:oleObj spid="_x0000_s8311" name="Equation" r:id="rId7" imgW="609600" imgH="419100" progId="Equation.3">
+                <p:oleObj spid="_x0000_s8332" name="Equation" r:id="rId7" imgW="609600" imgH="419100" progId="Equation.3">
                   <p:embed/>
                 </p:oleObj>
               </mc:Choice>
@@ -19270,7 +18988,7 @@
           <a:graphicData uri="http://schemas.openxmlformats.org/presentationml/2006/ole">
             <mc:AlternateContent xmlns:mc="http://schemas.openxmlformats.org/markup-compatibility/2006">
               <mc:Choice xmlns:v="urn:schemas-microsoft-com:vml" Requires="v">
-                <p:oleObj spid="_x0000_s8312" name="Equation" r:id="rId9" imgW="1130300" imgH="495300" progId="Equation.3">
+                <p:oleObj spid="_x0000_s8333" name="Equation" r:id="rId9" imgW="1130300" imgH="495300" progId="Equation.3">
                   <p:embed/>
                 </p:oleObj>
               </mc:Choice>
@@ -19372,6 +19090,13 @@
   <p:clrMapOvr>
     <a:masterClrMapping/>
   </p:clrMapOvr>
+  <p:timing>
+    <p:tnLst>
+      <p:par>
+        <p:cTn xmlns:p14="http://schemas.microsoft.com/office/powerpoint/2010/main" id="1" dur="indefinite" restart="never" nodeType="tmRoot"/>
+      </p:par>
+    </p:tnLst>
+  </p:timing>
 </p:sld>
 </file>
 

--- a/Lectures/12 Announcements.pptx
+++ b/Lectures/12 Announcements.pptx
@@ -5,10 +5,10 @@
     <p:sldMasterId id="2147483648" r:id="rId1"/>
   </p:sldMasterIdLst>
   <p:notesMasterIdLst>
-    <p:notesMasterId r:id="rId23"/>
+    <p:notesMasterId r:id="rId27"/>
   </p:notesMasterIdLst>
   <p:handoutMasterIdLst>
-    <p:handoutMasterId r:id="rId24"/>
+    <p:handoutMasterId r:id="rId28"/>
   </p:handoutMasterIdLst>
   <p:sldIdLst>
     <p:sldId id="256" r:id="rId2"/>
@@ -32,6 +32,10 @@
     <p:sldId id="270" r:id="rId20"/>
     <p:sldId id="271" r:id="rId21"/>
     <p:sldId id="272" r:id="rId22"/>
+    <p:sldId id="294" r:id="rId23"/>
+    <p:sldId id="295" r:id="rId24"/>
+    <p:sldId id="296" r:id="rId25"/>
+    <p:sldId id="297" r:id="rId26"/>
   </p:sldIdLst>
   <p:sldSz cx="9144000" cy="6858000" type="screen4x3"/>
   <p:notesSz cx="6858000" cy="9144000"/>
@@ -215,7 +219,7 @@
           <a:p>
             <a:fld id="{D3AAB66F-B1B7-D045-B4E8-4F60236F228D}" type="datetimeFigureOut">
               <a:rPr lang="en-US" smtClean="0"/>
-              <a:t>2/25/15</a:t>
+              <a:t>2/8/16</a:t>
             </a:fld>
             <a:endParaRPr lang="en-US"/>
           </a:p>
@@ -381,7 +385,7 @@
           <a:p>
             <a:fld id="{BCCF8E76-06A6-164E-A6FA-EC32C13EB232}" type="datetimeFigureOut">
               <a:rPr lang="en-US" smtClean="0"/>
-              <a:t>2/25/15</a:t>
+              <a:t>2/8/16</a:t>
             </a:fld>
             <a:endParaRPr lang="en-US"/>
           </a:p>
@@ -843,7 +847,6 @@
               <a:rPr lang="en-US" dirty="0" smtClean="0"/>
               <a:t>We’re getting there. Need to understand small data first! </a:t>
             </a:r>
-            <a:endParaRPr lang="en-US" dirty="0" smtClean="0"/>
           </a:p>
         </p:txBody>
       </p:sp>
@@ -1656,11 +1659,7 @@
             </a:r>
             <a:r>
               <a:rPr lang="en-US" baseline="0" dirty="0" smtClean="0"/>
-              <a:t> Don’t let me stop you! </a:t>
-            </a:r>
-            <a:r>
-              <a:rPr lang="en-US" baseline="0" dirty="0" smtClean="0"/>
-              <a:t>Incorporating more in the bytes is hard, but please connect with me if you have questions about how to use more in the projects.</a:t>
+              <a:t> Don’t let me stop you! Incorporating more in the bytes is hard, but please connect with me if you have questions about how to use more in the projects.</a:t>
             </a:r>
             <a:endParaRPr lang="en-US" dirty="0" smtClean="0"/>
           </a:p>
@@ -2219,7 +2218,7 @@
             <a:fld id="{FA3C144B-2939-9A49-B014-915EC3E81866}" type="datetime1">
               <a:rPr lang="en-US" smtClean="0"/>
               <a:pPr/>
-              <a:t>2/25/15</a:t>
+              <a:t>2/8/16</a:t>
             </a:fld>
             <a:endParaRPr lang="en-US" dirty="0"/>
           </a:p>
@@ -2648,7 +2647,7 @@
           <a:p>
             <a:fld id="{76838339-A875-5E45-AB3F-AAABD270346A}" type="datetime1">
               <a:rPr lang="en-US" smtClean="0"/>
-              <a:t>2/25/15</a:t>
+              <a:t>2/8/16</a:t>
             </a:fld>
             <a:endParaRPr lang="en-US"/>
           </a:p>
@@ -2934,7 +2933,7 @@
             <a:fld id="{FA3C144B-2939-9A49-B014-915EC3E81866}" type="datetime1">
               <a:rPr lang="en-US" smtClean="0"/>
               <a:pPr/>
-              <a:t>2/25/15</a:t>
+              <a:t>2/8/16</a:t>
             </a:fld>
             <a:endParaRPr lang="en-US" dirty="0"/>
           </a:p>
@@ -3416,7 +3415,7 @@
           <a:p>
             <a:fld id="{A73F672F-A5FB-5745-934A-1BF51CA5539C}" type="datetime1">
               <a:rPr lang="en-US" smtClean="0"/>
-              <a:t>2/25/15</a:t>
+              <a:t>2/8/16</a:t>
             </a:fld>
             <a:endParaRPr lang="en-US"/>
           </a:p>
@@ -3758,7 +3757,7 @@
             <a:fld id="{FA3C144B-2939-9A49-B014-915EC3E81866}" type="datetime1">
               <a:rPr lang="en-US" smtClean="0"/>
               <a:pPr/>
-              <a:t>2/25/15</a:t>
+              <a:t>2/8/16</a:t>
             </a:fld>
             <a:endParaRPr lang="en-US" dirty="0"/>
           </a:p>
@@ -4222,7 +4221,7 @@
           <a:p>
             <a:fld id="{6AFE6A63-5EBE-3E48-B0AE-DF655A1ECE76}" type="datetime1">
               <a:rPr lang="en-US" smtClean="0"/>
-              <a:t>2/25/15</a:t>
+              <a:t>2/8/16</a:t>
             </a:fld>
             <a:endParaRPr lang="en-US"/>
           </a:p>
@@ -4541,7 +4540,7 @@
           <a:p>
             <a:fld id="{4A019F0C-9D18-B54A-9AC9-18AA74EDB034}" type="datetime1">
               <a:rPr lang="en-US" smtClean="0"/>
-              <a:t>2/25/15</a:t>
+              <a:t>2/8/16</a:t>
             </a:fld>
             <a:endParaRPr lang="en-US"/>
           </a:p>
@@ -4851,7 +4850,7 @@
             <a:fld id="{FA3C144B-2939-9A49-B014-915EC3E81866}" type="datetime1">
               <a:rPr lang="en-US" smtClean="0"/>
               <a:pPr/>
-              <a:t>2/25/15</a:t>
+              <a:t>2/8/16</a:t>
             </a:fld>
             <a:endParaRPr lang="en-US" dirty="0"/>
           </a:p>
@@ -5114,7 +5113,7 @@
           <a:p>
             <a:fld id="{FA3C144B-2939-9A49-B014-915EC3E81866}" type="datetime1">
               <a:rPr lang="en-US" smtClean="0"/>
-              <a:t>2/25/15</a:t>
+              <a:t>2/8/16</a:t>
             </a:fld>
             <a:endParaRPr lang="en-US" dirty="0"/>
           </a:p>
@@ -5482,7 +5481,7 @@
           <a:p>
             <a:fld id="{7053BEFA-1175-F644-B249-7D41D72BD3FF}" type="datetime1">
               <a:rPr lang="en-US" smtClean="0"/>
-              <a:t>2/25/15</a:t>
+              <a:t>2/8/16</a:t>
             </a:fld>
             <a:endParaRPr lang="en-US"/>
           </a:p>
@@ -5601,7 +5600,7 @@
             <a:fld id="{FA3C144B-2939-9A49-B014-915EC3E81866}" type="datetime1">
               <a:rPr lang="en-US" smtClean="0"/>
               <a:pPr/>
-              <a:t>2/25/15</a:t>
+              <a:t>2/8/16</a:t>
             </a:fld>
             <a:endParaRPr lang="en-US" dirty="0"/>
           </a:p>
@@ -5818,7 +5817,7 @@
             <a:fld id="{FA3C144B-2939-9A49-B014-915EC3E81866}" type="datetime1">
               <a:rPr lang="en-US" smtClean="0"/>
               <a:pPr/>
-              <a:t>2/25/15</a:t>
+              <a:t>2/8/16</a:t>
             </a:fld>
             <a:endParaRPr lang="en-US" dirty="0"/>
           </a:p>
@@ -6063,7 +6062,7 @@
             <a:fld id="{FA3C144B-2939-9A49-B014-915EC3E81866}" type="datetime1">
               <a:rPr lang="en-US" smtClean="0"/>
               <a:pPr/>
-              <a:t>2/25/15</a:t>
+              <a:t>2/8/16</a:t>
             </a:fld>
             <a:endParaRPr lang="en-US" dirty="0"/>
           </a:p>
@@ -6441,7 +6440,7 @@
           <a:p>
             <a:fld id="{111EEF3B-ABF2-AA4E-9E24-0C6256942674}" type="datetime1">
               <a:rPr lang="en-US" smtClean="0"/>
-              <a:t>2/25/15</a:t>
+              <a:t>2/8/16</a:t>
             </a:fld>
             <a:endParaRPr lang="en-US"/>
           </a:p>
@@ -6605,7 +6604,7 @@
             <a:fld id="{FA3C144B-2939-9A49-B014-915EC3E81866}" type="datetime1">
               <a:rPr lang="en-US" smtClean="0"/>
               <a:pPr/>
-              <a:t>2/25/15</a:t>
+              <a:t>2/8/16</a:t>
             </a:fld>
             <a:endParaRPr lang="en-US" dirty="0"/>
           </a:p>
@@ -7022,7 +7021,7 @@
             <a:fld id="{FA3C144B-2939-9A49-B014-915EC3E81866}" type="datetime1">
               <a:rPr lang="en-US" smtClean="0"/>
               <a:pPr/>
-              <a:t>2/25/15</a:t>
+              <a:t>2/8/16</a:t>
             </a:fld>
             <a:endParaRPr lang="en-US" dirty="0"/>
           </a:p>
@@ -7338,7 +7337,7 @@
             <a:fld id="{FA3C144B-2939-9A49-B014-915EC3E81866}" type="datetime1">
               <a:rPr lang="en-US" smtClean="0"/>
               <a:pPr/>
-              <a:t>2/25/15</a:t>
+              <a:t>2/8/16</a:t>
             </a:fld>
             <a:endParaRPr lang="en-US" dirty="0"/>
           </a:p>
@@ -8004,7 +8003,7 @@
             <a:fld id="{FA3C144B-2939-9A49-B014-915EC3E81866}" type="datetime1">
               <a:rPr lang="en-US" smtClean="0"/>
               <a:pPr/>
-              <a:t>2/25/15</a:t>
+              <a:t>2/8/16</a:t>
             </a:fld>
             <a:endParaRPr lang="en-US" dirty="0"/>
           </a:p>
@@ -9210,7 +9209,7 @@
           <a:p>
             <a:fld id="{7053BEFA-1175-F644-B249-7D41D72BD3FF}" type="datetime1">
               <a:rPr lang="en-US" smtClean="0"/>
-              <a:t>2/25/15</a:t>
+              <a:t>2/8/16</a:t>
             </a:fld>
             <a:endParaRPr lang="en-US"/>
           </a:p>
@@ -9311,7 +9310,7 @@
           <a:graphicData uri="http://schemas.openxmlformats.org/presentationml/2006/ole">
             <mc:AlternateContent xmlns:mc="http://schemas.openxmlformats.org/markup-compatibility/2006">
               <mc:Choice xmlns:v="urn:schemas-microsoft-com:vml" Requires="v">
-                <p:oleObj spid="_x0000_s10294" name="Chart" r:id="rId4" imgW="5562600" imgH="3781552" progId="Excel.Chart.8">
+                <p:oleObj spid="_x0000_s10297" name="Chart" r:id="rId4" imgW="5562600" imgH="3781552" progId="Excel.Chart.8">
                   <p:embed/>
                 </p:oleObj>
               </mc:Choice>
@@ -9515,7 +9514,7 @@
           <a:graphicData uri="http://schemas.openxmlformats.org/presentationml/2006/ole">
             <mc:AlternateContent xmlns:mc="http://schemas.openxmlformats.org/markup-compatibility/2006">
               <mc:Choice xmlns:v="urn:schemas-microsoft-com:vml" Requires="v">
-                <p:oleObj spid="_x0000_s10295" name="Equation" r:id="rId6" imgW="3200400" imgH="203040" progId="Equation.3">
+                <p:oleObj spid="_x0000_s10298" name="Equation" r:id="rId6" imgW="3200400" imgH="203040" progId="Equation.3">
                   <p:embed/>
                 </p:oleObj>
               </mc:Choice>
@@ -13646,7 +13645,7 @@
           <a:graphicData uri="http://schemas.openxmlformats.org/presentationml/2006/ole">
             <mc:AlternateContent xmlns:mc="http://schemas.openxmlformats.org/markup-compatibility/2006">
               <mc:Choice xmlns:v="urn:schemas-microsoft-com:vml" Requires="v">
-                <p:oleObj spid="_x0000_s12327" name="Equation" r:id="rId4" imgW="1841500" imgH="584200" progId="Equation.3">
+                <p:oleObj spid="_x0000_s12332" name="Equation" r:id="rId4" imgW="1841500" imgH="584200" progId="Equation.3">
                   <p:embed/>
                 </p:oleObj>
               </mc:Choice>
@@ -13716,7 +13715,7 @@
           <a:graphicData uri="http://schemas.openxmlformats.org/presentationml/2006/ole">
             <mc:AlternateContent xmlns:mc="http://schemas.openxmlformats.org/markup-compatibility/2006">
               <mc:Choice xmlns:v="urn:schemas-microsoft-com:vml" Requires="v">
-                <p:oleObj spid="_x0000_s12328" name="Equation" r:id="rId6" imgW="1003300" imgH="533400" progId="Equation.3">
+                <p:oleObj spid="_x0000_s12333" name="Equation" r:id="rId6" imgW="1003300" imgH="533400" progId="Equation.3">
                   <p:embed/>
                 </p:oleObj>
               </mc:Choice>
@@ -13782,7 +13781,7 @@
           <a:graphicData uri="http://schemas.openxmlformats.org/presentationml/2006/ole">
             <mc:AlternateContent xmlns:mc="http://schemas.openxmlformats.org/markup-compatibility/2006">
               <mc:Choice xmlns:v="urn:schemas-microsoft-com:vml" Requires="v">
-                <p:oleObj spid="_x0000_s12329" name="Equation" r:id="rId8" imgW="736560" imgH="647640" progId="Equation.3">
+                <p:oleObj spid="_x0000_s12334" name="Equation" r:id="rId8" imgW="736560" imgH="647640" progId="Equation.3">
                   <p:embed/>
                 </p:oleObj>
               </mc:Choice>
@@ -13860,7 +13859,7 @@
           <a:graphicData uri="http://schemas.openxmlformats.org/presentationml/2006/ole">
             <mc:AlternateContent xmlns:mc="http://schemas.openxmlformats.org/markup-compatibility/2006">
               <mc:Choice xmlns:v="urn:schemas-microsoft-com:vml" Requires="v">
-                <p:oleObj spid="_x0000_s12330" name="Equation" r:id="rId10" imgW="1054100" imgH="279400" progId="Equation.3">
+                <p:oleObj spid="_x0000_s12335" name="Equation" r:id="rId10" imgW="1054100" imgH="279400" progId="Equation.3">
                   <p:embed/>
                 </p:oleObj>
               </mc:Choice>
@@ -15107,7 +15106,7 @@
           <a:p>
             <a:fld id="{7053BEFA-1175-F644-B249-7D41D72BD3FF}" type="datetime1">
               <a:rPr lang="en-US" smtClean="0"/>
-              <a:t>2/25/15</a:t>
+              <a:t>2/8/16</a:t>
             </a:fld>
             <a:endParaRPr lang="en-US"/>
           </a:p>
@@ -15259,7 +15258,6 @@
               <a:rPr lang="en-US" dirty="0" smtClean="0"/>
               <a:t>examples</a:t>
             </a:r>
-            <a:endParaRPr lang="en-US" dirty="0" smtClean="0"/>
           </a:p>
         </p:txBody>
       </p:sp>
@@ -15280,7 +15278,7 @@
           <a:p>
             <a:fld id="{7053BEFA-1175-F644-B249-7D41D72BD3FF}" type="datetime1">
               <a:rPr lang="en-US" smtClean="0"/>
-              <a:t>2/25/15</a:t>
+              <a:t>2/8/16</a:t>
             </a:fld>
             <a:endParaRPr lang="en-US"/>
           </a:p>
@@ -15441,7 +15439,6 @@
               <a:rPr lang="en-US" dirty="0" smtClean="0"/>
               <a:t>Byte / tutorial difficulties</a:t>
             </a:r>
-            <a:endParaRPr lang="en-US" dirty="0" smtClean="0"/>
           </a:p>
         </p:txBody>
       </p:sp>
@@ -15462,7 +15459,7 @@
           <a:p>
             <a:fld id="{7053BEFA-1175-F644-B249-7D41D72BD3FF}" type="datetime1">
               <a:rPr lang="en-US" smtClean="0"/>
-              <a:t>2/25/15</a:t>
+              <a:t>2/8/16</a:t>
             </a:fld>
             <a:endParaRPr lang="en-US"/>
           </a:p>
@@ -15635,7 +15632,7 @@
           <a:p>
             <a:fld id="{7053BEFA-1175-F644-B249-7D41D72BD3FF}" type="datetime1">
               <a:rPr lang="en-US" smtClean="0"/>
-              <a:t>2/25/15</a:t>
+              <a:t>2/8/16</a:t>
             </a:fld>
             <a:endParaRPr lang="en-US"/>
           </a:p>
@@ -15799,11 +15796,7 @@
             </a:pPr>
             <a:r>
               <a:rPr lang="en-US" dirty="0" smtClean="0"/>
-              <a:t>More </a:t>
-            </a:r>
-            <a:r>
-              <a:rPr lang="en-US" dirty="0" smtClean="0"/>
-              <a:t>datasets</a:t>
+              <a:t>More datasets</a:t>
             </a:r>
           </a:p>
         </p:txBody>
@@ -15825,7 +15818,7 @@
           <a:p>
             <a:fld id="{7053BEFA-1175-F644-B249-7D41D72BD3FF}" type="datetime1">
               <a:rPr lang="en-US" smtClean="0"/>
-              <a:t>2/25/15</a:t>
+              <a:t>2/8/16</a:t>
             </a:fld>
             <a:endParaRPr lang="en-US"/>
           </a:p>
@@ -16000,7 +15993,6 @@
               <a:rPr lang="en-US" dirty="0" smtClean="0"/>
               <a:t>Big Data</a:t>
             </a:r>
-            <a:endParaRPr lang="en-US" dirty="0" smtClean="0"/>
           </a:p>
         </p:txBody>
       </p:sp>
@@ -16021,7 +16013,7 @@
           <a:p>
             <a:fld id="{7053BEFA-1175-F644-B249-7D41D72BD3FF}" type="datetime1">
               <a:rPr lang="en-US" smtClean="0"/>
-              <a:t>2/25/15</a:t>
+              <a:t>2/8/16</a:t>
             </a:fld>
             <a:endParaRPr lang="en-US"/>
           </a:p>
@@ -16089,6 +16081,2163 @@
 </p:sld>
 </file>
 
+<file path=ppt/slides/slide22.xml><?xml version="1.0" encoding="utf-8"?>
+<p:sld xmlns:a="http://schemas.openxmlformats.org/drawingml/2006/main" xmlns:r="http://schemas.openxmlformats.org/officeDocument/2006/relationships" xmlns:p="http://schemas.openxmlformats.org/presentationml/2006/main">
+  <p:cSld>
+    <p:spTree>
+      <p:nvGrpSpPr>
+        <p:cNvPr id="1" name=""/>
+        <p:cNvGrpSpPr/>
+        <p:nvPr/>
+      </p:nvGrpSpPr>
+      <p:grpSpPr>
+        <a:xfrm>
+          <a:off x="0" y="0"/>
+          <a:ext cx="0" cy="0"/>
+          <a:chOff x="0" y="0"/>
+          <a:chExt cx="0" cy="0"/>
+        </a:xfrm>
+      </p:grpSpPr>
+      <p:sp>
+        <p:nvSpPr>
+          <p:cNvPr id="2" name="Title 1"/>
+          <p:cNvSpPr>
+            <a:spLocks noGrp="1"/>
+          </p:cNvSpPr>
+          <p:nvPr>
+            <p:ph type="title"/>
+          </p:nvPr>
+        </p:nvSpPr>
+        <p:spPr>
+          <a:xfrm>
+            <a:off x="954132" y="310162"/>
+            <a:ext cx="7223615" cy="990107"/>
+          </a:xfrm>
+        </p:spPr>
+        <p:txBody>
+          <a:bodyPr/>
+          <a:lstStyle/>
+          <a:p>
+            <a:r>
+              <a:rPr lang="en-US" dirty="0" smtClean="0"/>
+              <a:t>Review: Decision Trees &amp; Naïve Bayes</a:t>
+            </a:r>
+            <a:endParaRPr lang="en-US" dirty="0"/>
+          </a:p>
+        </p:txBody>
+      </p:sp>
+      <p:sp>
+        <p:nvSpPr>
+          <p:cNvPr id="3" name="Content Placeholder 2"/>
+          <p:cNvSpPr>
+            <a:spLocks noGrp="1"/>
+          </p:cNvSpPr>
+          <p:nvPr>
+            <p:ph idx="1"/>
+          </p:nvPr>
+        </p:nvSpPr>
+        <p:spPr/>
+        <p:txBody>
+          <a:bodyPr/>
+          <a:lstStyle/>
+          <a:p>
+            <a:pPr marL="0" indent="0">
+              <a:buNone/>
+            </a:pPr>
+            <a:r>
+              <a:rPr lang="en-US" dirty="0" smtClean="0"/>
+              <a:t>Minimum description length principal</a:t>
+            </a:r>
+          </a:p>
+          <a:p>
+            <a:pPr marL="0" indent="0">
+              <a:buNone/>
+            </a:pPr>
+            <a:r>
+              <a:rPr lang="en-US" dirty="0"/>
+              <a:t>	</a:t>
+            </a:r>
+            <a:r>
+              <a:rPr lang="en-US" dirty="0" smtClean="0"/>
+              <a:t>- just Keep It Simple, …</a:t>
+            </a:r>
+            <a:endParaRPr lang="en-US" dirty="0" smtClean="0">
+              <a:sym typeface="Wingdings"/>
+            </a:endParaRPr>
+          </a:p>
+          <a:p>
+            <a:pPr marL="0" indent="0">
+              <a:buNone/>
+            </a:pPr>
+            <a:endParaRPr lang="en-US" dirty="0"/>
+          </a:p>
+        </p:txBody>
+      </p:sp>
+      <p:sp>
+        <p:nvSpPr>
+          <p:cNvPr id="4" name="Date Placeholder 3"/>
+          <p:cNvSpPr>
+            <a:spLocks noGrp="1"/>
+          </p:cNvSpPr>
+          <p:nvPr>
+            <p:ph type="dt" sz="half" idx="10"/>
+          </p:nvPr>
+        </p:nvSpPr>
+        <p:spPr/>
+        <p:txBody>
+          <a:bodyPr/>
+          <a:lstStyle/>
+          <a:p>
+            <a:fld id="{7053BEFA-1175-F644-B249-7D41D72BD3FF}" type="datetime1">
+              <a:rPr lang="en-US" smtClean="0"/>
+              <a:t>2/8/16</a:t>
+            </a:fld>
+            <a:endParaRPr lang="en-US"/>
+          </a:p>
+        </p:txBody>
+      </p:sp>
+      <p:sp>
+        <p:nvSpPr>
+          <p:cNvPr id="5" name="Footer Placeholder 4"/>
+          <p:cNvSpPr>
+            <a:spLocks noGrp="1"/>
+          </p:cNvSpPr>
+          <p:nvPr>
+            <p:ph type="ftr" sz="quarter" idx="11"/>
+          </p:nvPr>
+        </p:nvSpPr>
+        <p:spPr/>
+        <p:txBody>
+          <a:bodyPr/>
+          <a:lstStyle/>
+          <a:p>
+            <a:endParaRPr lang="en-US" dirty="0"/>
+          </a:p>
+        </p:txBody>
+      </p:sp>
+      <p:sp>
+        <p:nvSpPr>
+          <p:cNvPr id="6" name="Slide Number Placeholder 5"/>
+          <p:cNvSpPr>
+            <a:spLocks noGrp="1"/>
+          </p:cNvSpPr>
+          <p:nvPr>
+            <p:ph type="sldNum" sz="quarter" idx="12"/>
+          </p:nvPr>
+        </p:nvSpPr>
+        <p:spPr/>
+        <p:txBody>
+          <a:bodyPr/>
+          <a:lstStyle/>
+          <a:p>
+            <a:fld id="{17E276FA-8F89-B34D-A726-BE3FA1F8DD97}" type="slidenum">
+              <a:rPr lang="en-US" smtClean="0"/>
+              <a:t>22</a:t>
+            </a:fld>
+            <a:endParaRPr lang="en-US" dirty="0"/>
+          </a:p>
+        </p:txBody>
+      </p:sp>
+    </p:spTree>
+    <p:extLst>
+      <p:ext uri="{BB962C8B-B14F-4D97-AF65-F5344CB8AC3E}">
+        <p14:creationId xmlns:p14="http://schemas.microsoft.com/office/powerpoint/2010/main" val="1647312271"/>
+      </p:ext>
+    </p:extLst>
+  </p:cSld>
+  <p:clrMapOvr>
+    <a:masterClrMapping/>
+  </p:clrMapOvr>
+</p:sld>
+</file>
+
+<file path=ppt/slides/slide23.xml><?xml version="1.0" encoding="utf-8"?>
+<p:sld xmlns:a="http://schemas.openxmlformats.org/drawingml/2006/main" xmlns:r="http://schemas.openxmlformats.org/officeDocument/2006/relationships" xmlns:p="http://schemas.openxmlformats.org/presentationml/2006/main">
+  <p:cSld>
+    <p:spTree>
+      <p:nvGrpSpPr>
+        <p:cNvPr id="1" name=""/>
+        <p:cNvGrpSpPr/>
+        <p:nvPr/>
+      </p:nvGrpSpPr>
+      <p:grpSpPr>
+        <a:xfrm>
+          <a:off x="0" y="0"/>
+          <a:ext cx="0" cy="0"/>
+          <a:chOff x="0" y="0"/>
+          <a:chExt cx="0" cy="0"/>
+        </a:xfrm>
+      </p:grpSpPr>
+      <p:sp>
+        <p:nvSpPr>
+          <p:cNvPr id="2" name="Title 1"/>
+          <p:cNvSpPr>
+            <a:spLocks noGrp="1"/>
+          </p:cNvSpPr>
+          <p:nvPr>
+            <p:ph type="title"/>
+          </p:nvPr>
+        </p:nvSpPr>
+        <p:spPr>
+          <a:xfrm>
+            <a:off x="954132" y="310162"/>
+            <a:ext cx="7223615" cy="990107"/>
+          </a:xfrm>
+        </p:spPr>
+        <p:txBody>
+          <a:bodyPr/>
+          <a:lstStyle/>
+          <a:p>
+            <a:r>
+              <a:rPr lang="en-US" dirty="0" smtClean="0"/>
+              <a:t>Review: Decision Trees &amp; Naïve Bayes</a:t>
+            </a:r>
+            <a:endParaRPr lang="en-US" dirty="0"/>
+          </a:p>
+        </p:txBody>
+      </p:sp>
+      <p:sp>
+        <p:nvSpPr>
+          <p:cNvPr id="3" name="Content Placeholder 2"/>
+          <p:cNvSpPr>
+            <a:spLocks noGrp="1"/>
+          </p:cNvSpPr>
+          <p:nvPr>
+            <p:ph idx="1"/>
+          </p:nvPr>
+        </p:nvSpPr>
+        <p:spPr/>
+        <p:txBody>
+          <a:bodyPr/>
+          <a:lstStyle/>
+          <a:p>
+            <a:pPr marL="0" indent="0">
+              <a:buNone/>
+            </a:pPr>
+            <a:r>
+              <a:rPr lang="en-US" dirty="0" smtClean="0"/>
+              <a:t>Minimum description length principal</a:t>
+            </a:r>
+          </a:p>
+          <a:p>
+            <a:pPr marL="0" indent="0">
+              <a:buNone/>
+            </a:pPr>
+            <a:r>
+              <a:rPr lang="en-US" dirty="0"/>
+              <a:t>Decision trees are simple and easily learned</a:t>
+            </a:r>
+          </a:p>
+          <a:p>
+            <a:pPr lvl="1"/>
+            <a:r>
+              <a:rPr lang="en-US" dirty="0"/>
+              <a:t>Add nodes based on information gain</a:t>
+            </a:r>
+          </a:p>
+          <a:p>
+            <a:pPr marL="0" indent="0">
+              <a:buNone/>
+            </a:pPr>
+            <a:r>
+              <a:rPr lang="en-US" dirty="0" smtClean="0"/>
+              <a:t>Decision trees pros</a:t>
+            </a:r>
+          </a:p>
+          <a:p>
+            <a:pPr lvl="1"/>
+            <a:r>
+              <a:rPr lang="en-US" dirty="0" smtClean="0"/>
+              <a:t>Open world assumption </a:t>
+            </a:r>
+          </a:p>
+          <a:p>
+            <a:pPr lvl="1"/>
+            <a:r>
+              <a:rPr lang="en-US" dirty="0" smtClean="0"/>
+              <a:t>Fast to learn and use </a:t>
+            </a:r>
+          </a:p>
+          <a:p>
+            <a:pPr lvl="1"/>
+            <a:r>
+              <a:rPr lang="en-US" dirty="0" smtClean="0"/>
+              <a:t>Easy to interpret and understand</a:t>
+            </a:r>
+          </a:p>
+          <a:p>
+            <a:pPr marL="0" indent="0">
+              <a:buNone/>
+            </a:pPr>
+            <a:r>
+              <a:rPr lang="en-US" dirty="0" smtClean="0"/>
+              <a:t>Decision trees cons</a:t>
+            </a:r>
+          </a:p>
+          <a:p>
+            <a:pPr marL="571500" lvl="2" indent="-342900">
+              <a:buClr>
+                <a:schemeClr val="accent3"/>
+              </a:buClr>
+            </a:pPr>
+            <a:r>
+              <a:rPr lang="en-US" dirty="0"/>
+              <a:t>Prone to </a:t>
+            </a:r>
+            <a:r>
+              <a:rPr lang="en-US" dirty="0" err="1"/>
+              <a:t>overfitting</a:t>
+            </a:r>
+            <a:r>
+              <a:rPr lang="en-US" dirty="0"/>
+              <a:t> – handle this by </a:t>
+            </a:r>
+            <a:r>
+              <a:rPr lang="en-US" dirty="0" smtClean="0"/>
+              <a:t>pruning</a:t>
+            </a:r>
+          </a:p>
+          <a:p>
+            <a:pPr marL="0" indent="0">
+              <a:buNone/>
+            </a:pPr>
+            <a:endParaRPr lang="en-US" dirty="0"/>
+          </a:p>
+          <a:p>
+            <a:pPr marL="0" indent="0">
+              <a:buNone/>
+            </a:pPr>
+            <a:endParaRPr lang="en-US" dirty="0"/>
+          </a:p>
+        </p:txBody>
+      </p:sp>
+      <p:sp>
+        <p:nvSpPr>
+          <p:cNvPr id="4" name="Date Placeholder 3"/>
+          <p:cNvSpPr>
+            <a:spLocks noGrp="1"/>
+          </p:cNvSpPr>
+          <p:nvPr>
+            <p:ph type="dt" sz="half" idx="10"/>
+          </p:nvPr>
+        </p:nvSpPr>
+        <p:spPr/>
+        <p:txBody>
+          <a:bodyPr/>
+          <a:lstStyle/>
+          <a:p>
+            <a:fld id="{7053BEFA-1175-F644-B249-7D41D72BD3FF}" type="datetime1">
+              <a:rPr lang="en-US" smtClean="0"/>
+              <a:t>2/8/16</a:t>
+            </a:fld>
+            <a:endParaRPr lang="en-US"/>
+          </a:p>
+        </p:txBody>
+      </p:sp>
+      <p:sp>
+        <p:nvSpPr>
+          <p:cNvPr id="5" name="Footer Placeholder 4"/>
+          <p:cNvSpPr>
+            <a:spLocks noGrp="1"/>
+          </p:cNvSpPr>
+          <p:nvPr>
+            <p:ph type="ftr" sz="quarter" idx="11"/>
+          </p:nvPr>
+        </p:nvSpPr>
+        <p:spPr/>
+        <p:txBody>
+          <a:bodyPr/>
+          <a:lstStyle/>
+          <a:p>
+            <a:endParaRPr lang="en-US" dirty="0"/>
+          </a:p>
+        </p:txBody>
+      </p:sp>
+      <p:sp>
+        <p:nvSpPr>
+          <p:cNvPr id="6" name="Slide Number Placeholder 5"/>
+          <p:cNvSpPr>
+            <a:spLocks noGrp="1"/>
+          </p:cNvSpPr>
+          <p:nvPr>
+            <p:ph type="sldNum" sz="quarter" idx="12"/>
+          </p:nvPr>
+        </p:nvSpPr>
+        <p:spPr/>
+        <p:txBody>
+          <a:bodyPr/>
+          <a:lstStyle/>
+          <a:p>
+            <a:fld id="{17E276FA-8F89-B34D-A726-BE3FA1F8DD97}" type="slidenum">
+              <a:rPr lang="en-US" smtClean="0"/>
+              <a:t>23</a:t>
+            </a:fld>
+            <a:endParaRPr lang="en-US" dirty="0"/>
+          </a:p>
+        </p:txBody>
+      </p:sp>
+    </p:spTree>
+    <p:extLst>
+      <p:ext uri="{BB962C8B-B14F-4D97-AF65-F5344CB8AC3E}">
+        <p14:creationId xmlns:p14="http://schemas.microsoft.com/office/powerpoint/2010/main" val="2529380504"/>
+      </p:ext>
+    </p:extLst>
+  </p:cSld>
+  <p:clrMapOvr>
+    <a:masterClrMapping/>
+  </p:clrMapOvr>
+</p:sld>
+</file>
+
+<file path=ppt/slides/slide24.xml><?xml version="1.0" encoding="utf-8"?>
+<p:sld xmlns:a="http://schemas.openxmlformats.org/drawingml/2006/main" xmlns:r="http://schemas.openxmlformats.org/officeDocument/2006/relationships" xmlns:p="http://schemas.openxmlformats.org/presentationml/2006/main">
+  <p:cSld>
+    <p:spTree>
+      <p:nvGrpSpPr>
+        <p:cNvPr id="1" name=""/>
+        <p:cNvGrpSpPr/>
+        <p:nvPr/>
+      </p:nvGrpSpPr>
+      <p:grpSpPr>
+        <a:xfrm>
+          <a:off x="0" y="0"/>
+          <a:ext cx="0" cy="0"/>
+          <a:chOff x="0" y="0"/>
+          <a:chExt cx="0" cy="0"/>
+        </a:xfrm>
+      </p:grpSpPr>
+      <p:sp>
+        <p:nvSpPr>
+          <p:cNvPr id="2" name="Title 1"/>
+          <p:cNvSpPr>
+            <a:spLocks noGrp="1"/>
+          </p:cNvSpPr>
+          <p:nvPr>
+            <p:ph type="title"/>
+          </p:nvPr>
+        </p:nvSpPr>
+        <p:spPr>
+          <a:xfrm>
+            <a:off x="954132" y="310162"/>
+            <a:ext cx="7223615" cy="990107"/>
+          </a:xfrm>
+        </p:spPr>
+        <p:txBody>
+          <a:bodyPr/>
+          <a:lstStyle/>
+          <a:p>
+            <a:r>
+              <a:rPr lang="en-US" dirty="0" smtClean="0"/>
+              <a:t>Review: Decision Trees &amp; Naïve Bayes</a:t>
+            </a:r>
+            <a:endParaRPr lang="en-US" dirty="0"/>
+          </a:p>
+        </p:txBody>
+      </p:sp>
+      <p:sp>
+        <p:nvSpPr>
+          <p:cNvPr id="3" name="Content Placeholder 2"/>
+          <p:cNvSpPr>
+            <a:spLocks noGrp="1"/>
+          </p:cNvSpPr>
+          <p:nvPr>
+            <p:ph idx="1"/>
+          </p:nvPr>
+        </p:nvSpPr>
+        <p:spPr/>
+        <p:txBody>
+          <a:bodyPr/>
+          <a:lstStyle/>
+          <a:p>
+            <a:pPr marL="0" indent="0">
+              <a:buNone/>
+            </a:pPr>
+            <a:r>
+              <a:rPr lang="en-US" dirty="0" smtClean="0"/>
+              <a:t>Minimum description length principal</a:t>
+            </a:r>
+          </a:p>
+          <a:p>
+            <a:pPr marL="0" indent="0">
+              <a:buNone/>
+            </a:pPr>
+            <a:r>
+              <a:rPr lang="en-US" dirty="0"/>
+              <a:t>Decision trees are simple and easily learned</a:t>
+            </a:r>
+          </a:p>
+          <a:p>
+            <a:pPr lvl="1"/>
+            <a:r>
+              <a:rPr lang="en-US" dirty="0"/>
+              <a:t>Add nodes based on information gain</a:t>
+            </a:r>
+          </a:p>
+          <a:p>
+            <a:pPr marL="0" indent="0">
+              <a:buNone/>
+            </a:pPr>
+            <a:r>
+              <a:rPr lang="en-US" dirty="0" smtClean="0"/>
+              <a:t>Naïve Bayes – based on Bayes’ law</a:t>
+            </a:r>
+          </a:p>
+          <a:p>
+            <a:pPr marL="0" indent="0">
+              <a:buNone/>
+            </a:pPr>
+            <a:endParaRPr lang="en-US" dirty="0"/>
+          </a:p>
+          <a:p>
+            <a:pPr marL="0" indent="0">
+              <a:buNone/>
+            </a:pPr>
+            <a:endParaRPr lang="en-US" dirty="0"/>
+          </a:p>
+        </p:txBody>
+      </p:sp>
+      <p:sp>
+        <p:nvSpPr>
+          <p:cNvPr id="4" name="Date Placeholder 3"/>
+          <p:cNvSpPr>
+            <a:spLocks noGrp="1"/>
+          </p:cNvSpPr>
+          <p:nvPr>
+            <p:ph type="dt" sz="half" idx="10"/>
+          </p:nvPr>
+        </p:nvSpPr>
+        <p:spPr/>
+        <p:txBody>
+          <a:bodyPr/>
+          <a:lstStyle/>
+          <a:p>
+            <a:fld id="{7053BEFA-1175-F644-B249-7D41D72BD3FF}" type="datetime1">
+              <a:rPr lang="en-US" smtClean="0"/>
+              <a:t>2/8/16</a:t>
+            </a:fld>
+            <a:endParaRPr lang="en-US"/>
+          </a:p>
+        </p:txBody>
+      </p:sp>
+      <p:sp>
+        <p:nvSpPr>
+          <p:cNvPr id="5" name="Footer Placeholder 4"/>
+          <p:cNvSpPr>
+            <a:spLocks noGrp="1"/>
+          </p:cNvSpPr>
+          <p:nvPr>
+            <p:ph type="ftr" sz="quarter" idx="11"/>
+          </p:nvPr>
+        </p:nvSpPr>
+        <p:spPr/>
+        <p:txBody>
+          <a:bodyPr/>
+          <a:lstStyle/>
+          <a:p>
+            <a:endParaRPr lang="en-US" dirty="0"/>
+          </a:p>
+        </p:txBody>
+      </p:sp>
+      <p:sp>
+        <p:nvSpPr>
+          <p:cNvPr id="6" name="Slide Number Placeholder 5"/>
+          <p:cNvSpPr>
+            <a:spLocks noGrp="1"/>
+          </p:cNvSpPr>
+          <p:nvPr>
+            <p:ph type="sldNum" sz="quarter" idx="12"/>
+          </p:nvPr>
+        </p:nvSpPr>
+        <p:spPr/>
+        <p:txBody>
+          <a:bodyPr/>
+          <a:lstStyle/>
+          <a:p>
+            <a:fld id="{17E276FA-8F89-B34D-A726-BE3FA1F8DD97}" type="slidenum">
+              <a:rPr lang="en-US" smtClean="0"/>
+              <a:t>24</a:t>
+            </a:fld>
+            <a:endParaRPr lang="en-US" dirty="0"/>
+          </a:p>
+        </p:txBody>
+      </p:sp>
+      <p:grpSp>
+        <p:nvGrpSpPr>
+          <p:cNvPr id="7" name="Group 4"/>
+          <p:cNvGrpSpPr>
+            <a:grpSpLocks/>
+          </p:cNvGrpSpPr>
+          <p:nvPr/>
+        </p:nvGrpSpPr>
+        <p:grpSpPr bwMode="auto">
+          <a:xfrm>
+            <a:off x="1218147" y="3820043"/>
+            <a:ext cx="6877050" cy="1066800"/>
+            <a:chOff x="598" y="2070"/>
+            <a:chExt cx="4332" cy="672"/>
+          </a:xfrm>
+        </p:grpSpPr>
+        <p:grpSp>
+          <p:nvGrpSpPr>
+            <p:cNvPr id="8" name="Group 5"/>
+            <p:cNvGrpSpPr>
+              <a:grpSpLocks/>
+            </p:cNvGrpSpPr>
+            <p:nvPr/>
+          </p:nvGrpSpPr>
+          <p:grpSpPr bwMode="auto">
+            <a:xfrm>
+              <a:off x="598" y="2070"/>
+              <a:ext cx="2666" cy="672"/>
+              <a:chOff x="3094" y="2928"/>
+              <a:chExt cx="2666" cy="672"/>
+            </a:xfrm>
+          </p:grpSpPr>
+          <p:sp>
+            <p:nvSpPr>
+              <p:cNvPr id="16" name="Text Box 6"/>
+              <p:cNvSpPr txBox="1">
+                <a:spLocks noChangeArrowheads="1"/>
+              </p:cNvSpPr>
+              <p:nvPr/>
+            </p:nvSpPr>
+            <p:spPr bwMode="auto">
+              <a:xfrm>
+                <a:off x="3094" y="3108"/>
+                <a:ext cx="1152" cy="327"/>
+              </a:xfrm>
+              <a:prstGeom prst="rect">
+                <a:avLst/>
+              </a:prstGeom>
+              <a:noFill/>
+              <a:ln>
+                <a:noFill/>
+              </a:ln>
+              <a:extLst>
+                <a:ext uri="{909E8E84-426E-40dd-AFC4-6F175D3DCCD1}">
+                  <a14:hiddenFill xmlns:a14="http://schemas.microsoft.com/office/drawing/2010/main">
+                    <a:solidFill>
+                      <a:srgbClr val="FFFFFF"/>
+                    </a:solidFill>
+                  </a14:hiddenFill>
+                </a:ext>
+                <a:ext uri="{91240B29-F687-4f45-9708-019B960494DF}">
+                  <a14:hiddenLine xmlns:a14="http://schemas.microsoft.com/office/drawing/2010/main" w="9525">
+                    <a:solidFill>
+                      <a:srgbClr val="000000"/>
+                    </a:solidFill>
+                    <a:miter lim="800000"/>
+                    <a:headEnd/>
+                    <a:tailEnd/>
+                  </a14:hiddenLine>
+                </a:ext>
+              </a:extLst>
+            </p:spPr>
+            <p:txBody>
+              <a:bodyPr>
+                <a:spAutoFit/>
+              </a:bodyPr>
+              <a:lstStyle>
+                <a:lvl1pPr>
+                  <a:defRPr sz="2000">
+                    <a:solidFill>
+                      <a:schemeClr val="tx1"/>
+                    </a:solidFill>
+                    <a:latin typeface="Arial" charset="0"/>
+                    <a:ea typeface="ＭＳ Ｐゴシック" charset="0"/>
+                    <a:cs typeface="Arial" charset="0"/>
+                  </a:defRPr>
+                </a:lvl1pPr>
+                <a:lvl2pPr marL="742950" indent="-285750">
+                  <a:defRPr sz="2000">
+                    <a:solidFill>
+                      <a:schemeClr val="tx1"/>
+                    </a:solidFill>
+                    <a:latin typeface="Arial" charset="0"/>
+                    <a:ea typeface="Arial" charset="0"/>
+                    <a:cs typeface="Arial" charset="0"/>
+                  </a:defRPr>
+                </a:lvl2pPr>
+                <a:lvl3pPr marL="1143000" indent="-228600">
+                  <a:defRPr sz="2000">
+                    <a:solidFill>
+                      <a:schemeClr val="tx1"/>
+                    </a:solidFill>
+                    <a:latin typeface="Arial" charset="0"/>
+                    <a:ea typeface="Arial" charset="0"/>
+                    <a:cs typeface="Arial" charset="0"/>
+                  </a:defRPr>
+                </a:lvl3pPr>
+                <a:lvl4pPr marL="1600200" indent="-228600">
+                  <a:defRPr sz="2000">
+                    <a:solidFill>
+                      <a:schemeClr val="tx1"/>
+                    </a:solidFill>
+                    <a:latin typeface="Arial" charset="0"/>
+                    <a:ea typeface="Arial" charset="0"/>
+                    <a:cs typeface="Arial" charset="0"/>
+                  </a:defRPr>
+                </a:lvl4pPr>
+                <a:lvl5pPr marL="2057400" indent="-228600">
+                  <a:defRPr sz="2000">
+                    <a:solidFill>
+                      <a:schemeClr val="tx1"/>
+                    </a:solidFill>
+                    <a:latin typeface="Arial" charset="0"/>
+                    <a:ea typeface="Arial" charset="0"/>
+                    <a:cs typeface="Arial" charset="0"/>
+                  </a:defRPr>
+                </a:lvl5pPr>
+                <a:lvl6pPr marL="2514600" indent="-228600" eaLnBrk="0" fontAlgn="base" hangingPunct="0">
+                  <a:spcBef>
+                    <a:spcPct val="0"/>
+                  </a:spcBef>
+                  <a:spcAft>
+                    <a:spcPct val="0"/>
+                  </a:spcAft>
+                  <a:defRPr sz="2000">
+                    <a:solidFill>
+                      <a:schemeClr val="tx1"/>
+                    </a:solidFill>
+                    <a:latin typeface="Arial" charset="0"/>
+                    <a:ea typeface="Arial" charset="0"/>
+                    <a:cs typeface="Arial" charset="0"/>
+                  </a:defRPr>
+                </a:lvl6pPr>
+                <a:lvl7pPr marL="2971800" indent="-228600" eaLnBrk="0" fontAlgn="base" hangingPunct="0">
+                  <a:spcBef>
+                    <a:spcPct val="0"/>
+                  </a:spcBef>
+                  <a:spcAft>
+                    <a:spcPct val="0"/>
+                  </a:spcAft>
+                  <a:defRPr sz="2000">
+                    <a:solidFill>
+                      <a:schemeClr val="tx1"/>
+                    </a:solidFill>
+                    <a:latin typeface="Arial" charset="0"/>
+                    <a:ea typeface="Arial" charset="0"/>
+                    <a:cs typeface="Arial" charset="0"/>
+                  </a:defRPr>
+                </a:lvl7pPr>
+                <a:lvl8pPr marL="3429000" indent="-228600" eaLnBrk="0" fontAlgn="base" hangingPunct="0">
+                  <a:spcBef>
+                    <a:spcPct val="0"/>
+                  </a:spcBef>
+                  <a:spcAft>
+                    <a:spcPct val="0"/>
+                  </a:spcAft>
+                  <a:defRPr sz="2000">
+                    <a:solidFill>
+                      <a:schemeClr val="tx1"/>
+                    </a:solidFill>
+                    <a:latin typeface="Arial" charset="0"/>
+                    <a:ea typeface="Arial" charset="0"/>
+                    <a:cs typeface="Arial" charset="0"/>
+                  </a:defRPr>
+                </a:lvl8pPr>
+                <a:lvl9pPr marL="3886200" indent="-228600" eaLnBrk="0" fontAlgn="base" hangingPunct="0">
+                  <a:spcBef>
+                    <a:spcPct val="0"/>
+                  </a:spcBef>
+                  <a:spcAft>
+                    <a:spcPct val="0"/>
+                  </a:spcAft>
+                  <a:defRPr sz="2000">
+                    <a:solidFill>
+                      <a:schemeClr val="tx1"/>
+                    </a:solidFill>
+                    <a:latin typeface="Arial" charset="0"/>
+                    <a:ea typeface="Arial" charset="0"/>
+                    <a:cs typeface="Arial" charset="0"/>
+                  </a:defRPr>
+                </a:lvl9pPr>
+              </a:lstStyle>
+              <a:p>
+                <a:pPr algn="r">
+                  <a:spcBef>
+                    <a:spcPct val="50000"/>
+                  </a:spcBef>
+                </a:pPr>
+                <a:r>
+                  <a:rPr lang="en-US" sz="2800">
+                    <a:solidFill>
+                      <a:schemeClr val="accent1"/>
+                    </a:solidFill>
+                  </a:rPr>
+                  <a:t>P(C</a:t>
+                </a:r>
+                <a:r>
+                  <a:rPr lang="en-US" sz="2800" baseline="-25000">
+                    <a:solidFill>
+                      <a:schemeClr val="accent1"/>
+                    </a:solidFill>
+                  </a:rPr>
+                  <a:t>i</a:t>
+                </a:r>
+                <a:r>
+                  <a:rPr lang="en-US" sz="2800">
+                    <a:solidFill>
+                      <a:schemeClr val="accent1"/>
+                    </a:solidFill>
+                  </a:rPr>
+                  <a:t> | F) =</a:t>
+                </a:r>
+              </a:p>
+            </p:txBody>
+          </p:sp>
+          <p:grpSp>
+            <p:nvGrpSpPr>
+              <p:cNvPr id="17" name="Group 7"/>
+              <p:cNvGrpSpPr>
+                <a:grpSpLocks/>
+              </p:cNvGrpSpPr>
+              <p:nvPr/>
+            </p:nvGrpSpPr>
+            <p:grpSpPr bwMode="auto">
+              <a:xfrm>
+                <a:off x="4128" y="2928"/>
+                <a:ext cx="1632" cy="672"/>
+                <a:chOff x="4128" y="2928"/>
+                <a:chExt cx="1632" cy="672"/>
+              </a:xfrm>
+            </p:grpSpPr>
+            <p:grpSp>
+              <p:nvGrpSpPr>
+                <p:cNvPr id="18" name="Group 8"/>
+                <p:cNvGrpSpPr>
+                  <a:grpSpLocks/>
+                </p:cNvGrpSpPr>
+                <p:nvPr/>
+              </p:nvGrpSpPr>
+              <p:grpSpPr bwMode="auto">
+                <a:xfrm>
+                  <a:off x="4128" y="2928"/>
+                  <a:ext cx="1632" cy="672"/>
+                  <a:chOff x="4128" y="2928"/>
+                  <a:chExt cx="1632" cy="672"/>
+                </a:xfrm>
+              </p:grpSpPr>
+              <p:sp>
+                <p:nvSpPr>
+                  <p:cNvPr id="20" name="Text Box 9"/>
+                  <p:cNvSpPr txBox="1">
+                    <a:spLocks noChangeArrowheads="1"/>
+                  </p:cNvSpPr>
+                  <p:nvPr/>
+                </p:nvSpPr>
+                <p:spPr bwMode="auto">
+                  <a:xfrm>
+                    <a:off x="4128" y="2928"/>
+                    <a:ext cx="1632" cy="327"/>
+                  </a:xfrm>
+                  <a:prstGeom prst="rect">
+                    <a:avLst/>
+                  </a:prstGeom>
+                  <a:noFill/>
+                  <a:ln>
+                    <a:noFill/>
+                  </a:ln>
+                  <a:extLst>
+                    <a:ext uri="{909E8E84-426E-40dd-AFC4-6F175D3DCCD1}">
+                      <a14:hiddenFill xmlns:a14="http://schemas.microsoft.com/office/drawing/2010/main">
+                        <a:solidFill>
+                          <a:srgbClr val="FFFFFF"/>
+                        </a:solidFill>
+                      </a14:hiddenFill>
+                    </a:ext>
+                    <a:ext uri="{91240B29-F687-4f45-9708-019B960494DF}">
+                      <a14:hiddenLine xmlns:a14="http://schemas.microsoft.com/office/drawing/2010/main" w="9525">
+                        <a:solidFill>
+                          <a:srgbClr val="000000"/>
+                        </a:solidFill>
+                        <a:miter lim="800000"/>
+                        <a:headEnd/>
+                        <a:tailEnd/>
+                      </a14:hiddenLine>
+                    </a:ext>
+                  </a:extLst>
+                </p:spPr>
+                <p:txBody>
+                  <a:bodyPr>
+                    <a:spAutoFit/>
+                  </a:bodyPr>
+                  <a:lstStyle>
+                    <a:lvl1pPr>
+                      <a:defRPr sz="2000">
+                        <a:solidFill>
+                          <a:schemeClr val="tx1"/>
+                        </a:solidFill>
+                        <a:latin typeface="Arial" charset="0"/>
+                        <a:ea typeface="ＭＳ Ｐゴシック" charset="0"/>
+                        <a:cs typeface="Arial" charset="0"/>
+                      </a:defRPr>
+                    </a:lvl1pPr>
+                    <a:lvl2pPr marL="742950" indent="-285750">
+                      <a:defRPr sz="2000">
+                        <a:solidFill>
+                          <a:schemeClr val="tx1"/>
+                        </a:solidFill>
+                        <a:latin typeface="Arial" charset="0"/>
+                        <a:ea typeface="Arial" charset="0"/>
+                        <a:cs typeface="Arial" charset="0"/>
+                      </a:defRPr>
+                    </a:lvl2pPr>
+                    <a:lvl3pPr marL="1143000" indent="-228600">
+                      <a:defRPr sz="2000">
+                        <a:solidFill>
+                          <a:schemeClr val="tx1"/>
+                        </a:solidFill>
+                        <a:latin typeface="Arial" charset="0"/>
+                        <a:ea typeface="Arial" charset="0"/>
+                        <a:cs typeface="Arial" charset="0"/>
+                      </a:defRPr>
+                    </a:lvl3pPr>
+                    <a:lvl4pPr marL="1600200" indent="-228600">
+                      <a:defRPr sz="2000">
+                        <a:solidFill>
+                          <a:schemeClr val="tx1"/>
+                        </a:solidFill>
+                        <a:latin typeface="Arial" charset="0"/>
+                        <a:ea typeface="Arial" charset="0"/>
+                        <a:cs typeface="Arial" charset="0"/>
+                      </a:defRPr>
+                    </a:lvl4pPr>
+                    <a:lvl5pPr marL="2057400" indent="-228600">
+                      <a:defRPr sz="2000">
+                        <a:solidFill>
+                          <a:schemeClr val="tx1"/>
+                        </a:solidFill>
+                        <a:latin typeface="Arial" charset="0"/>
+                        <a:ea typeface="Arial" charset="0"/>
+                        <a:cs typeface="Arial" charset="0"/>
+                      </a:defRPr>
+                    </a:lvl5pPr>
+                    <a:lvl6pPr marL="2514600" indent="-228600" eaLnBrk="0" fontAlgn="base" hangingPunct="0">
+                      <a:spcBef>
+                        <a:spcPct val="0"/>
+                      </a:spcBef>
+                      <a:spcAft>
+                        <a:spcPct val="0"/>
+                      </a:spcAft>
+                      <a:defRPr sz="2000">
+                        <a:solidFill>
+                          <a:schemeClr val="tx1"/>
+                        </a:solidFill>
+                        <a:latin typeface="Arial" charset="0"/>
+                        <a:ea typeface="Arial" charset="0"/>
+                        <a:cs typeface="Arial" charset="0"/>
+                      </a:defRPr>
+                    </a:lvl6pPr>
+                    <a:lvl7pPr marL="2971800" indent="-228600" eaLnBrk="0" fontAlgn="base" hangingPunct="0">
+                      <a:spcBef>
+                        <a:spcPct val="0"/>
+                      </a:spcBef>
+                      <a:spcAft>
+                        <a:spcPct val="0"/>
+                      </a:spcAft>
+                      <a:defRPr sz="2000">
+                        <a:solidFill>
+                          <a:schemeClr val="tx1"/>
+                        </a:solidFill>
+                        <a:latin typeface="Arial" charset="0"/>
+                        <a:ea typeface="Arial" charset="0"/>
+                        <a:cs typeface="Arial" charset="0"/>
+                      </a:defRPr>
+                    </a:lvl7pPr>
+                    <a:lvl8pPr marL="3429000" indent="-228600" eaLnBrk="0" fontAlgn="base" hangingPunct="0">
+                      <a:spcBef>
+                        <a:spcPct val="0"/>
+                      </a:spcBef>
+                      <a:spcAft>
+                        <a:spcPct val="0"/>
+                      </a:spcAft>
+                      <a:defRPr sz="2000">
+                        <a:solidFill>
+                          <a:schemeClr val="tx1"/>
+                        </a:solidFill>
+                        <a:latin typeface="Arial" charset="0"/>
+                        <a:ea typeface="Arial" charset="0"/>
+                        <a:cs typeface="Arial" charset="0"/>
+                      </a:defRPr>
+                    </a:lvl8pPr>
+                    <a:lvl9pPr marL="3886200" indent="-228600" eaLnBrk="0" fontAlgn="base" hangingPunct="0">
+                      <a:spcBef>
+                        <a:spcPct val="0"/>
+                      </a:spcBef>
+                      <a:spcAft>
+                        <a:spcPct val="0"/>
+                      </a:spcAft>
+                      <a:defRPr sz="2000">
+                        <a:solidFill>
+                          <a:schemeClr val="tx1"/>
+                        </a:solidFill>
+                        <a:latin typeface="Arial" charset="0"/>
+                        <a:ea typeface="Arial" charset="0"/>
+                        <a:cs typeface="Arial" charset="0"/>
+                      </a:defRPr>
+                    </a:lvl9pPr>
+                  </a:lstStyle>
+                  <a:p>
+                    <a:pPr algn="ctr">
+                      <a:spcBef>
+                        <a:spcPct val="50000"/>
+                      </a:spcBef>
+                    </a:pPr>
+                    <a:r>
+                      <a:rPr lang="en-US" sz="2800">
+                        <a:solidFill>
+                          <a:schemeClr val="accent1"/>
+                        </a:solidFill>
+                      </a:rPr>
+                      <a:t>P(F | C</a:t>
+                    </a:r>
+                    <a:r>
+                      <a:rPr lang="en-US" sz="2800" baseline="-25000">
+                        <a:solidFill>
+                          <a:schemeClr val="accent1"/>
+                        </a:solidFill>
+                      </a:rPr>
+                      <a:t>i</a:t>
+                    </a:r>
+                    <a:r>
+                      <a:rPr lang="en-US" sz="2800">
+                        <a:solidFill>
+                          <a:schemeClr val="accent1"/>
+                        </a:solidFill>
+                      </a:rPr>
+                      <a:t>) P(C</a:t>
+                    </a:r>
+                    <a:r>
+                      <a:rPr lang="en-US" sz="2800" baseline="-25000">
+                        <a:solidFill>
+                          <a:schemeClr val="accent1"/>
+                        </a:solidFill>
+                      </a:rPr>
+                      <a:t>i</a:t>
+                    </a:r>
+                    <a:r>
+                      <a:rPr lang="en-US" sz="2800">
+                        <a:solidFill>
+                          <a:schemeClr val="accent1"/>
+                        </a:solidFill>
+                      </a:rPr>
+                      <a:t>)</a:t>
+                    </a:r>
+                  </a:p>
+                </p:txBody>
+              </p:sp>
+              <p:sp>
+                <p:nvSpPr>
+                  <p:cNvPr id="21" name="Text Box 10"/>
+                  <p:cNvSpPr txBox="1">
+                    <a:spLocks noChangeArrowheads="1"/>
+                  </p:cNvSpPr>
+                  <p:nvPr/>
+                </p:nvSpPr>
+                <p:spPr bwMode="auto">
+                  <a:xfrm>
+                    <a:off x="4128" y="3273"/>
+                    <a:ext cx="1632" cy="327"/>
+                  </a:xfrm>
+                  <a:prstGeom prst="rect">
+                    <a:avLst/>
+                  </a:prstGeom>
+                  <a:noFill/>
+                  <a:ln>
+                    <a:noFill/>
+                  </a:ln>
+                  <a:extLst>
+                    <a:ext uri="{909E8E84-426E-40dd-AFC4-6F175D3DCCD1}">
+                      <a14:hiddenFill xmlns:a14="http://schemas.microsoft.com/office/drawing/2010/main">
+                        <a:solidFill>
+                          <a:srgbClr val="FFFFFF"/>
+                        </a:solidFill>
+                      </a14:hiddenFill>
+                    </a:ext>
+                    <a:ext uri="{91240B29-F687-4f45-9708-019B960494DF}">
+                      <a14:hiddenLine xmlns:a14="http://schemas.microsoft.com/office/drawing/2010/main" w="9525">
+                        <a:solidFill>
+                          <a:srgbClr val="000000"/>
+                        </a:solidFill>
+                        <a:miter lim="800000"/>
+                        <a:headEnd/>
+                        <a:tailEnd/>
+                      </a14:hiddenLine>
+                    </a:ext>
+                  </a:extLst>
+                </p:spPr>
+                <p:txBody>
+                  <a:bodyPr>
+                    <a:spAutoFit/>
+                  </a:bodyPr>
+                  <a:lstStyle>
+                    <a:lvl1pPr>
+                      <a:defRPr sz="2000">
+                        <a:solidFill>
+                          <a:schemeClr val="tx1"/>
+                        </a:solidFill>
+                        <a:latin typeface="Arial" charset="0"/>
+                        <a:ea typeface="ＭＳ Ｐゴシック" charset="0"/>
+                        <a:cs typeface="Arial" charset="0"/>
+                      </a:defRPr>
+                    </a:lvl1pPr>
+                    <a:lvl2pPr marL="742950" indent="-285750">
+                      <a:defRPr sz="2000">
+                        <a:solidFill>
+                          <a:schemeClr val="tx1"/>
+                        </a:solidFill>
+                        <a:latin typeface="Arial" charset="0"/>
+                        <a:ea typeface="Arial" charset="0"/>
+                        <a:cs typeface="Arial" charset="0"/>
+                      </a:defRPr>
+                    </a:lvl2pPr>
+                    <a:lvl3pPr marL="1143000" indent="-228600">
+                      <a:defRPr sz="2000">
+                        <a:solidFill>
+                          <a:schemeClr val="tx1"/>
+                        </a:solidFill>
+                        <a:latin typeface="Arial" charset="0"/>
+                        <a:ea typeface="Arial" charset="0"/>
+                        <a:cs typeface="Arial" charset="0"/>
+                      </a:defRPr>
+                    </a:lvl3pPr>
+                    <a:lvl4pPr marL="1600200" indent="-228600">
+                      <a:defRPr sz="2000">
+                        <a:solidFill>
+                          <a:schemeClr val="tx1"/>
+                        </a:solidFill>
+                        <a:latin typeface="Arial" charset="0"/>
+                        <a:ea typeface="Arial" charset="0"/>
+                        <a:cs typeface="Arial" charset="0"/>
+                      </a:defRPr>
+                    </a:lvl4pPr>
+                    <a:lvl5pPr marL="2057400" indent="-228600">
+                      <a:defRPr sz="2000">
+                        <a:solidFill>
+                          <a:schemeClr val="tx1"/>
+                        </a:solidFill>
+                        <a:latin typeface="Arial" charset="0"/>
+                        <a:ea typeface="Arial" charset="0"/>
+                        <a:cs typeface="Arial" charset="0"/>
+                      </a:defRPr>
+                    </a:lvl5pPr>
+                    <a:lvl6pPr marL="2514600" indent="-228600" eaLnBrk="0" fontAlgn="base" hangingPunct="0">
+                      <a:spcBef>
+                        <a:spcPct val="0"/>
+                      </a:spcBef>
+                      <a:spcAft>
+                        <a:spcPct val="0"/>
+                      </a:spcAft>
+                      <a:defRPr sz="2000">
+                        <a:solidFill>
+                          <a:schemeClr val="tx1"/>
+                        </a:solidFill>
+                        <a:latin typeface="Arial" charset="0"/>
+                        <a:ea typeface="Arial" charset="0"/>
+                        <a:cs typeface="Arial" charset="0"/>
+                      </a:defRPr>
+                    </a:lvl6pPr>
+                    <a:lvl7pPr marL="2971800" indent="-228600" eaLnBrk="0" fontAlgn="base" hangingPunct="0">
+                      <a:spcBef>
+                        <a:spcPct val="0"/>
+                      </a:spcBef>
+                      <a:spcAft>
+                        <a:spcPct val="0"/>
+                      </a:spcAft>
+                      <a:defRPr sz="2000">
+                        <a:solidFill>
+                          <a:schemeClr val="tx1"/>
+                        </a:solidFill>
+                        <a:latin typeface="Arial" charset="0"/>
+                        <a:ea typeface="Arial" charset="0"/>
+                        <a:cs typeface="Arial" charset="0"/>
+                      </a:defRPr>
+                    </a:lvl7pPr>
+                    <a:lvl8pPr marL="3429000" indent="-228600" eaLnBrk="0" fontAlgn="base" hangingPunct="0">
+                      <a:spcBef>
+                        <a:spcPct val="0"/>
+                      </a:spcBef>
+                      <a:spcAft>
+                        <a:spcPct val="0"/>
+                      </a:spcAft>
+                      <a:defRPr sz="2000">
+                        <a:solidFill>
+                          <a:schemeClr val="tx1"/>
+                        </a:solidFill>
+                        <a:latin typeface="Arial" charset="0"/>
+                        <a:ea typeface="Arial" charset="0"/>
+                        <a:cs typeface="Arial" charset="0"/>
+                      </a:defRPr>
+                    </a:lvl8pPr>
+                    <a:lvl9pPr marL="3886200" indent="-228600" eaLnBrk="0" fontAlgn="base" hangingPunct="0">
+                      <a:spcBef>
+                        <a:spcPct val="0"/>
+                      </a:spcBef>
+                      <a:spcAft>
+                        <a:spcPct val="0"/>
+                      </a:spcAft>
+                      <a:defRPr sz="2000">
+                        <a:solidFill>
+                          <a:schemeClr val="tx1"/>
+                        </a:solidFill>
+                        <a:latin typeface="Arial" charset="0"/>
+                        <a:ea typeface="Arial" charset="0"/>
+                        <a:cs typeface="Arial" charset="0"/>
+                      </a:defRPr>
+                    </a:lvl9pPr>
+                  </a:lstStyle>
+                  <a:p>
+                    <a:pPr algn="ctr">
+                      <a:spcBef>
+                        <a:spcPct val="50000"/>
+                      </a:spcBef>
+                    </a:pPr>
+                    <a:r>
+                      <a:rPr lang="en-US" sz="2800">
+                        <a:solidFill>
+                          <a:schemeClr val="accent1"/>
+                        </a:solidFill>
+                      </a:rPr>
+                      <a:t>P(F)</a:t>
+                    </a:r>
+                  </a:p>
+                </p:txBody>
+              </p:sp>
+            </p:grpSp>
+            <p:sp>
+              <p:nvSpPr>
+                <p:cNvPr id="19" name="Line 11"/>
+                <p:cNvSpPr>
+                  <a:spLocks noChangeShapeType="1"/>
+                </p:cNvSpPr>
+                <p:nvPr/>
+              </p:nvSpPr>
+              <p:spPr bwMode="auto">
+                <a:xfrm>
+                  <a:off x="4320" y="3271"/>
+                  <a:ext cx="1296" cy="0"/>
+                </a:xfrm>
+                <a:prstGeom prst="line">
+                  <a:avLst/>
+                </a:prstGeom>
+                <a:noFill/>
+                <a:ln w="38100">
+                  <a:solidFill>
+                    <a:srgbClr val="850205"/>
+                  </a:solidFill>
+                  <a:miter lim="800000"/>
+                  <a:headEnd/>
+                  <a:tailEnd/>
+                </a:ln>
+                <a:extLst>
+                  <a:ext uri="{909E8E84-426E-40dd-AFC4-6F175D3DCCD1}">
+                    <a14:hiddenFill xmlns:a14="http://schemas.microsoft.com/office/drawing/2010/main">
+                      <a:noFill/>
+                    </a14:hiddenFill>
+                  </a:ext>
+                </a:extLst>
+              </p:spPr>
+              <p:txBody>
+                <a:bodyPr wrap="none"/>
+                <a:lstStyle/>
+                <a:p>
+                  <a:endParaRPr lang="en-US">
+                    <a:solidFill>
+                      <a:schemeClr val="accent1"/>
+                    </a:solidFill>
+                  </a:endParaRPr>
+                </a:p>
+              </p:txBody>
+            </p:sp>
+          </p:grpSp>
+        </p:grpSp>
+        <p:grpSp>
+          <p:nvGrpSpPr>
+            <p:cNvPr id="9" name="Group 12"/>
+            <p:cNvGrpSpPr>
+              <a:grpSpLocks/>
+            </p:cNvGrpSpPr>
+            <p:nvPr/>
+          </p:nvGrpSpPr>
+          <p:grpSpPr bwMode="auto">
+            <a:xfrm>
+              <a:off x="2264" y="2071"/>
+              <a:ext cx="2666" cy="633"/>
+              <a:chOff x="3094" y="2928"/>
+              <a:chExt cx="2666" cy="633"/>
+            </a:xfrm>
+          </p:grpSpPr>
+          <p:sp>
+            <p:nvSpPr>
+              <p:cNvPr id="10" name="Text Box 13"/>
+              <p:cNvSpPr txBox="1">
+                <a:spLocks noChangeArrowheads="1"/>
+              </p:cNvSpPr>
+              <p:nvPr/>
+            </p:nvSpPr>
+            <p:spPr bwMode="auto">
+              <a:xfrm>
+                <a:off x="3094" y="3108"/>
+                <a:ext cx="1152" cy="327"/>
+              </a:xfrm>
+              <a:prstGeom prst="rect">
+                <a:avLst/>
+              </a:prstGeom>
+              <a:noFill/>
+              <a:ln>
+                <a:noFill/>
+              </a:ln>
+              <a:extLst>
+                <a:ext uri="{909E8E84-426E-40dd-AFC4-6F175D3DCCD1}">
+                  <a14:hiddenFill xmlns:a14="http://schemas.microsoft.com/office/drawing/2010/main">
+                    <a:solidFill>
+                      <a:srgbClr val="FFFFFF"/>
+                    </a:solidFill>
+                  </a14:hiddenFill>
+                </a:ext>
+                <a:ext uri="{91240B29-F687-4f45-9708-019B960494DF}">
+                  <a14:hiddenLine xmlns:a14="http://schemas.microsoft.com/office/drawing/2010/main" w="9525">
+                    <a:solidFill>
+                      <a:srgbClr val="000000"/>
+                    </a:solidFill>
+                    <a:miter lim="800000"/>
+                    <a:headEnd/>
+                    <a:tailEnd/>
+                  </a14:hiddenLine>
+                </a:ext>
+              </a:extLst>
+            </p:spPr>
+            <p:txBody>
+              <a:bodyPr>
+                <a:spAutoFit/>
+              </a:bodyPr>
+              <a:lstStyle>
+                <a:lvl1pPr>
+                  <a:defRPr sz="2000">
+                    <a:solidFill>
+                      <a:schemeClr val="tx1"/>
+                    </a:solidFill>
+                    <a:latin typeface="Arial" charset="0"/>
+                    <a:ea typeface="ＭＳ Ｐゴシック" charset="0"/>
+                    <a:cs typeface="Arial" charset="0"/>
+                  </a:defRPr>
+                </a:lvl1pPr>
+                <a:lvl2pPr marL="742950" indent="-285750">
+                  <a:defRPr sz="2000">
+                    <a:solidFill>
+                      <a:schemeClr val="tx1"/>
+                    </a:solidFill>
+                    <a:latin typeface="Arial" charset="0"/>
+                    <a:ea typeface="Arial" charset="0"/>
+                    <a:cs typeface="Arial" charset="0"/>
+                  </a:defRPr>
+                </a:lvl2pPr>
+                <a:lvl3pPr marL="1143000" indent="-228600">
+                  <a:defRPr sz="2000">
+                    <a:solidFill>
+                      <a:schemeClr val="tx1"/>
+                    </a:solidFill>
+                    <a:latin typeface="Arial" charset="0"/>
+                    <a:ea typeface="Arial" charset="0"/>
+                    <a:cs typeface="Arial" charset="0"/>
+                  </a:defRPr>
+                </a:lvl3pPr>
+                <a:lvl4pPr marL="1600200" indent="-228600">
+                  <a:defRPr sz="2000">
+                    <a:solidFill>
+                      <a:schemeClr val="tx1"/>
+                    </a:solidFill>
+                    <a:latin typeface="Arial" charset="0"/>
+                    <a:ea typeface="Arial" charset="0"/>
+                    <a:cs typeface="Arial" charset="0"/>
+                  </a:defRPr>
+                </a:lvl4pPr>
+                <a:lvl5pPr marL="2057400" indent="-228600">
+                  <a:defRPr sz="2000">
+                    <a:solidFill>
+                      <a:schemeClr val="tx1"/>
+                    </a:solidFill>
+                    <a:latin typeface="Arial" charset="0"/>
+                    <a:ea typeface="Arial" charset="0"/>
+                    <a:cs typeface="Arial" charset="0"/>
+                  </a:defRPr>
+                </a:lvl5pPr>
+                <a:lvl6pPr marL="2514600" indent="-228600" eaLnBrk="0" fontAlgn="base" hangingPunct="0">
+                  <a:spcBef>
+                    <a:spcPct val="0"/>
+                  </a:spcBef>
+                  <a:spcAft>
+                    <a:spcPct val="0"/>
+                  </a:spcAft>
+                  <a:defRPr sz="2000">
+                    <a:solidFill>
+                      <a:schemeClr val="tx1"/>
+                    </a:solidFill>
+                    <a:latin typeface="Arial" charset="0"/>
+                    <a:ea typeface="Arial" charset="0"/>
+                    <a:cs typeface="Arial" charset="0"/>
+                  </a:defRPr>
+                </a:lvl6pPr>
+                <a:lvl7pPr marL="2971800" indent="-228600" eaLnBrk="0" fontAlgn="base" hangingPunct="0">
+                  <a:spcBef>
+                    <a:spcPct val="0"/>
+                  </a:spcBef>
+                  <a:spcAft>
+                    <a:spcPct val="0"/>
+                  </a:spcAft>
+                  <a:defRPr sz="2000">
+                    <a:solidFill>
+                      <a:schemeClr val="tx1"/>
+                    </a:solidFill>
+                    <a:latin typeface="Arial" charset="0"/>
+                    <a:ea typeface="Arial" charset="0"/>
+                    <a:cs typeface="Arial" charset="0"/>
+                  </a:defRPr>
+                </a:lvl7pPr>
+                <a:lvl8pPr marL="3429000" indent="-228600" eaLnBrk="0" fontAlgn="base" hangingPunct="0">
+                  <a:spcBef>
+                    <a:spcPct val="0"/>
+                  </a:spcBef>
+                  <a:spcAft>
+                    <a:spcPct val="0"/>
+                  </a:spcAft>
+                  <a:defRPr sz="2000">
+                    <a:solidFill>
+                      <a:schemeClr val="tx1"/>
+                    </a:solidFill>
+                    <a:latin typeface="Arial" charset="0"/>
+                    <a:ea typeface="Arial" charset="0"/>
+                    <a:cs typeface="Arial" charset="0"/>
+                  </a:defRPr>
+                </a:lvl8pPr>
+                <a:lvl9pPr marL="3886200" indent="-228600" eaLnBrk="0" fontAlgn="base" hangingPunct="0">
+                  <a:spcBef>
+                    <a:spcPct val="0"/>
+                  </a:spcBef>
+                  <a:spcAft>
+                    <a:spcPct val="0"/>
+                  </a:spcAft>
+                  <a:defRPr sz="2000">
+                    <a:solidFill>
+                      <a:schemeClr val="tx1"/>
+                    </a:solidFill>
+                    <a:latin typeface="Arial" charset="0"/>
+                    <a:ea typeface="Arial" charset="0"/>
+                    <a:cs typeface="Arial" charset="0"/>
+                  </a:defRPr>
+                </a:lvl9pPr>
+              </a:lstStyle>
+              <a:p>
+                <a:pPr algn="r">
+                  <a:spcBef>
+                    <a:spcPct val="50000"/>
+                  </a:spcBef>
+                </a:pPr>
+                <a:r>
+                  <a:rPr lang="en-US" sz="2800">
+                    <a:solidFill>
+                      <a:schemeClr val="accent1"/>
+                    </a:solidFill>
+                  </a:rPr>
+                  <a:t>=</a:t>
+                </a:r>
+              </a:p>
+            </p:txBody>
+          </p:sp>
+          <p:grpSp>
+            <p:nvGrpSpPr>
+              <p:cNvPr id="11" name="Group 14"/>
+              <p:cNvGrpSpPr>
+                <a:grpSpLocks/>
+              </p:cNvGrpSpPr>
+              <p:nvPr/>
+            </p:nvGrpSpPr>
+            <p:grpSpPr bwMode="auto">
+              <a:xfrm>
+                <a:off x="4128" y="2928"/>
+                <a:ext cx="1632" cy="633"/>
+                <a:chOff x="4128" y="2928"/>
+                <a:chExt cx="1632" cy="633"/>
+              </a:xfrm>
+            </p:grpSpPr>
+            <p:grpSp>
+              <p:nvGrpSpPr>
+                <p:cNvPr id="12" name="Group 15"/>
+                <p:cNvGrpSpPr>
+                  <a:grpSpLocks/>
+                </p:cNvGrpSpPr>
+                <p:nvPr/>
+              </p:nvGrpSpPr>
+              <p:grpSpPr bwMode="auto">
+                <a:xfrm>
+                  <a:off x="4128" y="2928"/>
+                  <a:ext cx="1632" cy="633"/>
+                  <a:chOff x="4128" y="2928"/>
+                  <a:chExt cx="1632" cy="633"/>
+                </a:xfrm>
+              </p:grpSpPr>
+              <p:sp>
+                <p:nvSpPr>
+                  <p:cNvPr id="14" name="Text Box 16"/>
+                  <p:cNvSpPr txBox="1">
+                    <a:spLocks noChangeArrowheads="1"/>
+                  </p:cNvSpPr>
+                  <p:nvPr/>
+                </p:nvSpPr>
+                <p:spPr bwMode="auto">
+                  <a:xfrm>
+                    <a:off x="4128" y="2928"/>
+                    <a:ext cx="1632" cy="288"/>
+                  </a:xfrm>
+                  <a:prstGeom prst="rect">
+                    <a:avLst/>
+                  </a:prstGeom>
+                  <a:noFill/>
+                  <a:ln>
+                    <a:noFill/>
+                  </a:ln>
+                  <a:extLst>
+                    <a:ext uri="{909E8E84-426E-40dd-AFC4-6F175D3DCCD1}">
+                      <a14:hiddenFill xmlns:a14="http://schemas.microsoft.com/office/drawing/2010/main">
+                        <a:solidFill>
+                          <a:srgbClr val="FFFFFF"/>
+                        </a:solidFill>
+                      </a14:hiddenFill>
+                    </a:ext>
+                    <a:ext uri="{91240B29-F687-4f45-9708-019B960494DF}">
+                      <a14:hiddenLine xmlns:a14="http://schemas.microsoft.com/office/drawing/2010/main" w="9525">
+                        <a:solidFill>
+                          <a:srgbClr val="000000"/>
+                        </a:solidFill>
+                        <a:miter lim="800000"/>
+                        <a:headEnd/>
+                        <a:tailEnd/>
+                      </a14:hiddenLine>
+                    </a:ext>
+                  </a:extLst>
+                </p:spPr>
+                <p:txBody>
+                  <a:bodyPr>
+                    <a:spAutoFit/>
+                  </a:bodyPr>
+                  <a:lstStyle>
+                    <a:lvl1pPr>
+                      <a:defRPr sz="2000">
+                        <a:solidFill>
+                          <a:schemeClr val="tx1"/>
+                        </a:solidFill>
+                        <a:latin typeface="Arial" charset="0"/>
+                        <a:ea typeface="ＭＳ Ｐゴシック" charset="0"/>
+                        <a:cs typeface="Arial" charset="0"/>
+                      </a:defRPr>
+                    </a:lvl1pPr>
+                    <a:lvl2pPr marL="742950" indent="-285750">
+                      <a:defRPr sz="2000">
+                        <a:solidFill>
+                          <a:schemeClr val="tx1"/>
+                        </a:solidFill>
+                        <a:latin typeface="Arial" charset="0"/>
+                        <a:ea typeface="Arial" charset="0"/>
+                        <a:cs typeface="Arial" charset="0"/>
+                      </a:defRPr>
+                    </a:lvl2pPr>
+                    <a:lvl3pPr marL="1143000" indent="-228600">
+                      <a:defRPr sz="2000">
+                        <a:solidFill>
+                          <a:schemeClr val="tx1"/>
+                        </a:solidFill>
+                        <a:latin typeface="Arial" charset="0"/>
+                        <a:ea typeface="Arial" charset="0"/>
+                        <a:cs typeface="Arial" charset="0"/>
+                      </a:defRPr>
+                    </a:lvl3pPr>
+                    <a:lvl4pPr marL="1600200" indent="-228600">
+                      <a:defRPr sz="2000">
+                        <a:solidFill>
+                          <a:schemeClr val="tx1"/>
+                        </a:solidFill>
+                        <a:latin typeface="Arial" charset="0"/>
+                        <a:ea typeface="Arial" charset="0"/>
+                        <a:cs typeface="Arial" charset="0"/>
+                      </a:defRPr>
+                    </a:lvl4pPr>
+                    <a:lvl5pPr marL="2057400" indent="-228600">
+                      <a:defRPr sz="2000">
+                        <a:solidFill>
+                          <a:schemeClr val="tx1"/>
+                        </a:solidFill>
+                        <a:latin typeface="Arial" charset="0"/>
+                        <a:ea typeface="Arial" charset="0"/>
+                        <a:cs typeface="Arial" charset="0"/>
+                      </a:defRPr>
+                    </a:lvl5pPr>
+                    <a:lvl6pPr marL="2514600" indent="-228600" eaLnBrk="0" fontAlgn="base" hangingPunct="0">
+                      <a:spcBef>
+                        <a:spcPct val="0"/>
+                      </a:spcBef>
+                      <a:spcAft>
+                        <a:spcPct val="0"/>
+                      </a:spcAft>
+                      <a:defRPr sz="2000">
+                        <a:solidFill>
+                          <a:schemeClr val="tx1"/>
+                        </a:solidFill>
+                        <a:latin typeface="Arial" charset="0"/>
+                        <a:ea typeface="Arial" charset="0"/>
+                        <a:cs typeface="Arial" charset="0"/>
+                      </a:defRPr>
+                    </a:lvl6pPr>
+                    <a:lvl7pPr marL="2971800" indent="-228600" eaLnBrk="0" fontAlgn="base" hangingPunct="0">
+                      <a:spcBef>
+                        <a:spcPct val="0"/>
+                      </a:spcBef>
+                      <a:spcAft>
+                        <a:spcPct val="0"/>
+                      </a:spcAft>
+                      <a:defRPr sz="2000">
+                        <a:solidFill>
+                          <a:schemeClr val="tx1"/>
+                        </a:solidFill>
+                        <a:latin typeface="Arial" charset="0"/>
+                        <a:ea typeface="Arial" charset="0"/>
+                        <a:cs typeface="Arial" charset="0"/>
+                      </a:defRPr>
+                    </a:lvl7pPr>
+                    <a:lvl8pPr marL="3429000" indent="-228600" eaLnBrk="0" fontAlgn="base" hangingPunct="0">
+                      <a:spcBef>
+                        <a:spcPct val="0"/>
+                      </a:spcBef>
+                      <a:spcAft>
+                        <a:spcPct val="0"/>
+                      </a:spcAft>
+                      <a:defRPr sz="2000">
+                        <a:solidFill>
+                          <a:schemeClr val="tx1"/>
+                        </a:solidFill>
+                        <a:latin typeface="Arial" charset="0"/>
+                        <a:ea typeface="Arial" charset="0"/>
+                        <a:cs typeface="Arial" charset="0"/>
+                      </a:defRPr>
+                    </a:lvl8pPr>
+                    <a:lvl9pPr marL="3886200" indent="-228600" eaLnBrk="0" fontAlgn="base" hangingPunct="0">
+                      <a:spcBef>
+                        <a:spcPct val="0"/>
+                      </a:spcBef>
+                      <a:spcAft>
+                        <a:spcPct val="0"/>
+                      </a:spcAft>
+                      <a:defRPr sz="2000">
+                        <a:solidFill>
+                          <a:schemeClr val="tx1"/>
+                        </a:solidFill>
+                        <a:latin typeface="Arial" charset="0"/>
+                        <a:ea typeface="Arial" charset="0"/>
+                        <a:cs typeface="Arial" charset="0"/>
+                      </a:defRPr>
+                    </a:lvl9pPr>
+                  </a:lstStyle>
+                  <a:p>
+                    <a:pPr algn="ctr">
+                      <a:spcBef>
+                        <a:spcPct val="50000"/>
+                      </a:spcBef>
+                    </a:pPr>
+                    <a:r>
+                      <a:rPr lang="en-US" sz="2400">
+                        <a:solidFill>
+                          <a:schemeClr val="accent1"/>
+                        </a:solidFill>
+                      </a:rPr>
+                      <a:t>Likelihood * Prior</a:t>
+                    </a:r>
+                  </a:p>
+                </p:txBody>
+              </p:sp>
+              <p:sp>
+                <p:nvSpPr>
+                  <p:cNvPr id="15" name="Text Box 17"/>
+                  <p:cNvSpPr txBox="1">
+                    <a:spLocks noChangeArrowheads="1"/>
+                  </p:cNvSpPr>
+                  <p:nvPr/>
+                </p:nvSpPr>
+                <p:spPr bwMode="auto">
+                  <a:xfrm>
+                    <a:off x="4128" y="3273"/>
+                    <a:ext cx="1632" cy="288"/>
+                  </a:xfrm>
+                  <a:prstGeom prst="rect">
+                    <a:avLst/>
+                  </a:prstGeom>
+                  <a:noFill/>
+                  <a:ln>
+                    <a:noFill/>
+                  </a:ln>
+                  <a:extLst>
+                    <a:ext uri="{909E8E84-426E-40dd-AFC4-6F175D3DCCD1}">
+                      <a14:hiddenFill xmlns:a14="http://schemas.microsoft.com/office/drawing/2010/main">
+                        <a:solidFill>
+                          <a:srgbClr val="FFFFFF"/>
+                        </a:solidFill>
+                      </a14:hiddenFill>
+                    </a:ext>
+                    <a:ext uri="{91240B29-F687-4f45-9708-019B960494DF}">
+                      <a14:hiddenLine xmlns:a14="http://schemas.microsoft.com/office/drawing/2010/main" w="9525">
+                        <a:solidFill>
+                          <a:srgbClr val="000000"/>
+                        </a:solidFill>
+                        <a:miter lim="800000"/>
+                        <a:headEnd/>
+                        <a:tailEnd/>
+                      </a14:hiddenLine>
+                    </a:ext>
+                  </a:extLst>
+                </p:spPr>
+                <p:txBody>
+                  <a:bodyPr>
+                    <a:spAutoFit/>
+                  </a:bodyPr>
+                  <a:lstStyle>
+                    <a:lvl1pPr>
+                      <a:defRPr sz="2000">
+                        <a:solidFill>
+                          <a:schemeClr val="tx1"/>
+                        </a:solidFill>
+                        <a:latin typeface="Arial" charset="0"/>
+                        <a:ea typeface="ＭＳ Ｐゴシック" charset="0"/>
+                        <a:cs typeface="Arial" charset="0"/>
+                      </a:defRPr>
+                    </a:lvl1pPr>
+                    <a:lvl2pPr marL="742950" indent="-285750">
+                      <a:defRPr sz="2000">
+                        <a:solidFill>
+                          <a:schemeClr val="tx1"/>
+                        </a:solidFill>
+                        <a:latin typeface="Arial" charset="0"/>
+                        <a:ea typeface="Arial" charset="0"/>
+                        <a:cs typeface="Arial" charset="0"/>
+                      </a:defRPr>
+                    </a:lvl2pPr>
+                    <a:lvl3pPr marL="1143000" indent="-228600">
+                      <a:defRPr sz="2000">
+                        <a:solidFill>
+                          <a:schemeClr val="tx1"/>
+                        </a:solidFill>
+                        <a:latin typeface="Arial" charset="0"/>
+                        <a:ea typeface="Arial" charset="0"/>
+                        <a:cs typeface="Arial" charset="0"/>
+                      </a:defRPr>
+                    </a:lvl3pPr>
+                    <a:lvl4pPr marL="1600200" indent="-228600">
+                      <a:defRPr sz="2000">
+                        <a:solidFill>
+                          <a:schemeClr val="tx1"/>
+                        </a:solidFill>
+                        <a:latin typeface="Arial" charset="0"/>
+                        <a:ea typeface="Arial" charset="0"/>
+                        <a:cs typeface="Arial" charset="0"/>
+                      </a:defRPr>
+                    </a:lvl4pPr>
+                    <a:lvl5pPr marL="2057400" indent="-228600">
+                      <a:defRPr sz="2000">
+                        <a:solidFill>
+                          <a:schemeClr val="tx1"/>
+                        </a:solidFill>
+                        <a:latin typeface="Arial" charset="0"/>
+                        <a:ea typeface="Arial" charset="0"/>
+                        <a:cs typeface="Arial" charset="0"/>
+                      </a:defRPr>
+                    </a:lvl5pPr>
+                    <a:lvl6pPr marL="2514600" indent="-228600" eaLnBrk="0" fontAlgn="base" hangingPunct="0">
+                      <a:spcBef>
+                        <a:spcPct val="0"/>
+                      </a:spcBef>
+                      <a:spcAft>
+                        <a:spcPct val="0"/>
+                      </a:spcAft>
+                      <a:defRPr sz="2000">
+                        <a:solidFill>
+                          <a:schemeClr val="tx1"/>
+                        </a:solidFill>
+                        <a:latin typeface="Arial" charset="0"/>
+                        <a:ea typeface="Arial" charset="0"/>
+                        <a:cs typeface="Arial" charset="0"/>
+                      </a:defRPr>
+                    </a:lvl6pPr>
+                    <a:lvl7pPr marL="2971800" indent="-228600" eaLnBrk="0" fontAlgn="base" hangingPunct="0">
+                      <a:spcBef>
+                        <a:spcPct val="0"/>
+                      </a:spcBef>
+                      <a:spcAft>
+                        <a:spcPct val="0"/>
+                      </a:spcAft>
+                      <a:defRPr sz="2000">
+                        <a:solidFill>
+                          <a:schemeClr val="tx1"/>
+                        </a:solidFill>
+                        <a:latin typeface="Arial" charset="0"/>
+                        <a:ea typeface="Arial" charset="0"/>
+                        <a:cs typeface="Arial" charset="0"/>
+                      </a:defRPr>
+                    </a:lvl7pPr>
+                    <a:lvl8pPr marL="3429000" indent="-228600" eaLnBrk="0" fontAlgn="base" hangingPunct="0">
+                      <a:spcBef>
+                        <a:spcPct val="0"/>
+                      </a:spcBef>
+                      <a:spcAft>
+                        <a:spcPct val="0"/>
+                      </a:spcAft>
+                      <a:defRPr sz="2000">
+                        <a:solidFill>
+                          <a:schemeClr val="tx1"/>
+                        </a:solidFill>
+                        <a:latin typeface="Arial" charset="0"/>
+                        <a:ea typeface="Arial" charset="0"/>
+                        <a:cs typeface="Arial" charset="0"/>
+                      </a:defRPr>
+                    </a:lvl8pPr>
+                    <a:lvl9pPr marL="3886200" indent="-228600" eaLnBrk="0" fontAlgn="base" hangingPunct="0">
+                      <a:spcBef>
+                        <a:spcPct val="0"/>
+                      </a:spcBef>
+                      <a:spcAft>
+                        <a:spcPct val="0"/>
+                      </a:spcAft>
+                      <a:defRPr sz="2000">
+                        <a:solidFill>
+                          <a:schemeClr val="tx1"/>
+                        </a:solidFill>
+                        <a:latin typeface="Arial" charset="0"/>
+                        <a:ea typeface="Arial" charset="0"/>
+                        <a:cs typeface="Arial" charset="0"/>
+                      </a:defRPr>
+                    </a:lvl9pPr>
+                  </a:lstStyle>
+                  <a:p>
+                    <a:pPr algn="ctr">
+                      <a:spcBef>
+                        <a:spcPct val="50000"/>
+                      </a:spcBef>
+                    </a:pPr>
+                    <a:r>
+                      <a:rPr lang="en-US" sz="2400">
+                        <a:solidFill>
+                          <a:schemeClr val="accent1"/>
+                        </a:solidFill>
+                      </a:rPr>
+                      <a:t>Evidence</a:t>
+                    </a:r>
+                  </a:p>
+                </p:txBody>
+              </p:sp>
+            </p:grpSp>
+            <p:sp>
+              <p:nvSpPr>
+                <p:cNvPr id="13" name="Line 18"/>
+                <p:cNvSpPr>
+                  <a:spLocks noChangeShapeType="1"/>
+                </p:cNvSpPr>
+                <p:nvPr/>
+              </p:nvSpPr>
+              <p:spPr bwMode="auto">
+                <a:xfrm>
+                  <a:off x="4320" y="3271"/>
+                  <a:ext cx="1296" cy="0"/>
+                </a:xfrm>
+                <a:prstGeom prst="line">
+                  <a:avLst/>
+                </a:prstGeom>
+                <a:noFill/>
+                <a:ln w="38100">
+                  <a:solidFill>
+                    <a:srgbClr val="850205"/>
+                  </a:solidFill>
+                  <a:miter lim="800000"/>
+                  <a:headEnd/>
+                  <a:tailEnd/>
+                </a:ln>
+                <a:extLst>
+                  <a:ext uri="{909E8E84-426E-40dd-AFC4-6F175D3DCCD1}">
+                    <a14:hiddenFill xmlns:a14="http://schemas.microsoft.com/office/drawing/2010/main">
+                      <a:noFill/>
+                    </a14:hiddenFill>
+                  </a:ext>
+                </a:extLst>
+              </p:spPr>
+              <p:txBody>
+                <a:bodyPr wrap="none"/>
+                <a:lstStyle/>
+                <a:p>
+                  <a:endParaRPr lang="en-US">
+                    <a:solidFill>
+                      <a:schemeClr val="accent1"/>
+                    </a:solidFill>
+                  </a:endParaRPr>
+                </a:p>
+              </p:txBody>
+            </p:sp>
+          </p:grpSp>
+        </p:grpSp>
+      </p:grpSp>
+    </p:spTree>
+    <p:extLst>
+      <p:ext uri="{BB962C8B-B14F-4D97-AF65-F5344CB8AC3E}">
+        <p14:creationId xmlns:p14="http://schemas.microsoft.com/office/powerpoint/2010/main" val="2734191646"/>
+      </p:ext>
+    </p:extLst>
+  </p:cSld>
+  <p:clrMapOvr>
+    <a:masterClrMapping/>
+  </p:clrMapOvr>
+</p:sld>
+</file>
+
+<file path=ppt/slides/slide25.xml><?xml version="1.0" encoding="utf-8"?>
+<p:sld xmlns:a="http://schemas.openxmlformats.org/drawingml/2006/main" xmlns:r="http://schemas.openxmlformats.org/officeDocument/2006/relationships" xmlns:p="http://schemas.openxmlformats.org/presentationml/2006/main">
+  <p:cSld>
+    <p:spTree>
+      <p:nvGrpSpPr>
+        <p:cNvPr id="1" name=""/>
+        <p:cNvGrpSpPr/>
+        <p:nvPr/>
+      </p:nvGrpSpPr>
+      <p:grpSpPr>
+        <a:xfrm>
+          <a:off x="0" y="0"/>
+          <a:ext cx="0" cy="0"/>
+          <a:chOff x="0" y="0"/>
+          <a:chExt cx="0" cy="0"/>
+        </a:xfrm>
+      </p:grpSpPr>
+      <p:sp>
+        <p:nvSpPr>
+          <p:cNvPr id="2" name="Title 1"/>
+          <p:cNvSpPr>
+            <a:spLocks noGrp="1"/>
+          </p:cNvSpPr>
+          <p:nvPr>
+            <p:ph type="title"/>
+          </p:nvPr>
+        </p:nvSpPr>
+        <p:spPr>
+          <a:xfrm>
+            <a:off x="954132" y="310162"/>
+            <a:ext cx="7223615" cy="990107"/>
+          </a:xfrm>
+        </p:spPr>
+        <p:txBody>
+          <a:bodyPr/>
+          <a:lstStyle/>
+          <a:p>
+            <a:r>
+              <a:rPr lang="en-US" dirty="0" smtClean="0"/>
+              <a:t>Review: Decision Trees &amp; Naïve Bayes</a:t>
+            </a:r>
+            <a:endParaRPr lang="en-US" dirty="0"/>
+          </a:p>
+        </p:txBody>
+      </p:sp>
+      <p:sp>
+        <p:nvSpPr>
+          <p:cNvPr id="3" name="Content Placeholder 2"/>
+          <p:cNvSpPr>
+            <a:spLocks noGrp="1"/>
+          </p:cNvSpPr>
+          <p:nvPr>
+            <p:ph idx="1"/>
+          </p:nvPr>
+        </p:nvSpPr>
+        <p:spPr/>
+        <p:txBody>
+          <a:bodyPr/>
+          <a:lstStyle/>
+          <a:p>
+            <a:pPr marL="0" indent="0">
+              <a:buNone/>
+            </a:pPr>
+            <a:r>
+              <a:rPr lang="en-US" dirty="0" smtClean="0"/>
+              <a:t>Minimum description length principal</a:t>
+            </a:r>
+          </a:p>
+          <a:p>
+            <a:pPr marL="0" indent="0">
+              <a:buNone/>
+            </a:pPr>
+            <a:r>
+              <a:rPr lang="en-US" dirty="0"/>
+              <a:t>Decision trees are simple and easily learned</a:t>
+            </a:r>
+          </a:p>
+          <a:p>
+            <a:pPr lvl="1"/>
+            <a:r>
+              <a:rPr lang="en-US" dirty="0"/>
+              <a:t>Add nodes based on information gain</a:t>
+            </a:r>
+          </a:p>
+          <a:p>
+            <a:pPr marL="0" indent="0">
+              <a:buNone/>
+            </a:pPr>
+            <a:r>
+              <a:rPr lang="en-US" dirty="0" smtClean="0"/>
+              <a:t>Naïve Bayes pros</a:t>
+            </a:r>
+          </a:p>
+          <a:p>
+            <a:pPr lvl="1"/>
+            <a:r>
+              <a:rPr lang="en-US" dirty="0" smtClean="0"/>
+              <a:t>Takes priors into account</a:t>
+            </a:r>
+          </a:p>
+          <a:p>
+            <a:pPr lvl="1"/>
+            <a:r>
+              <a:rPr lang="en-US" dirty="0" smtClean="0"/>
+              <a:t>Robust even when features are missing</a:t>
+            </a:r>
+            <a:endParaRPr lang="en-US" dirty="0"/>
+          </a:p>
+          <a:p>
+            <a:pPr marL="0" indent="0">
+              <a:buNone/>
+            </a:pPr>
+            <a:r>
+              <a:rPr lang="en-US" dirty="0" smtClean="0"/>
+              <a:t>Naïve Bayes cons</a:t>
+            </a:r>
+          </a:p>
+          <a:p>
+            <a:pPr lvl="1"/>
+            <a:r>
+              <a:rPr lang="en-US" dirty="0" smtClean="0"/>
+              <a:t>Assumptions: </a:t>
+            </a:r>
+            <a:r>
+              <a:rPr lang="en-US" dirty="0"/>
+              <a:t>I</a:t>
+            </a:r>
+            <a:r>
+              <a:rPr lang="en-US" dirty="0" smtClean="0"/>
+              <a:t>ndependence; Closed world</a:t>
+            </a:r>
+          </a:p>
+          <a:p>
+            <a:pPr lvl="1"/>
+            <a:r>
+              <a:rPr lang="en-US" dirty="0" smtClean="0"/>
+              <a:t>Fails when things are highly conditional</a:t>
+            </a:r>
+          </a:p>
+          <a:p>
+            <a:pPr lvl="1"/>
+            <a:r>
+              <a:rPr lang="en-US" dirty="0" smtClean="0"/>
+              <a:t>Fails when data is highly skewed </a:t>
+            </a:r>
+            <a:endParaRPr lang="en-US" dirty="0"/>
+          </a:p>
+          <a:p>
+            <a:pPr marL="0" indent="0">
+              <a:buNone/>
+            </a:pPr>
+            <a:endParaRPr lang="en-US" dirty="0" smtClean="0"/>
+          </a:p>
+          <a:p>
+            <a:pPr marL="0" indent="0">
+              <a:buNone/>
+            </a:pPr>
+            <a:endParaRPr lang="en-US" dirty="0"/>
+          </a:p>
+          <a:p>
+            <a:pPr marL="0" indent="0">
+              <a:buNone/>
+            </a:pPr>
+            <a:endParaRPr lang="en-US" dirty="0"/>
+          </a:p>
+        </p:txBody>
+      </p:sp>
+      <p:sp>
+        <p:nvSpPr>
+          <p:cNvPr id="4" name="Date Placeholder 3"/>
+          <p:cNvSpPr>
+            <a:spLocks noGrp="1"/>
+          </p:cNvSpPr>
+          <p:nvPr>
+            <p:ph type="dt" sz="half" idx="10"/>
+          </p:nvPr>
+        </p:nvSpPr>
+        <p:spPr/>
+        <p:txBody>
+          <a:bodyPr/>
+          <a:lstStyle/>
+          <a:p>
+            <a:fld id="{7053BEFA-1175-F644-B249-7D41D72BD3FF}" type="datetime1">
+              <a:rPr lang="en-US" smtClean="0"/>
+              <a:t>2/8/16</a:t>
+            </a:fld>
+            <a:endParaRPr lang="en-US"/>
+          </a:p>
+        </p:txBody>
+      </p:sp>
+      <p:sp>
+        <p:nvSpPr>
+          <p:cNvPr id="5" name="Footer Placeholder 4"/>
+          <p:cNvSpPr>
+            <a:spLocks noGrp="1"/>
+          </p:cNvSpPr>
+          <p:nvPr>
+            <p:ph type="ftr" sz="quarter" idx="11"/>
+          </p:nvPr>
+        </p:nvSpPr>
+        <p:spPr/>
+        <p:txBody>
+          <a:bodyPr/>
+          <a:lstStyle/>
+          <a:p>
+            <a:endParaRPr lang="en-US" dirty="0"/>
+          </a:p>
+        </p:txBody>
+      </p:sp>
+      <p:sp>
+        <p:nvSpPr>
+          <p:cNvPr id="6" name="Slide Number Placeholder 5"/>
+          <p:cNvSpPr>
+            <a:spLocks noGrp="1"/>
+          </p:cNvSpPr>
+          <p:nvPr>
+            <p:ph type="sldNum" sz="quarter" idx="12"/>
+          </p:nvPr>
+        </p:nvSpPr>
+        <p:spPr/>
+        <p:txBody>
+          <a:bodyPr/>
+          <a:lstStyle/>
+          <a:p>
+            <a:fld id="{17E276FA-8F89-B34D-A726-BE3FA1F8DD97}" type="slidenum">
+              <a:rPr lang="en-US" smtClean="0"/>
+              <a:t>25</a:t>
+            </a:fld>
+            <a:endParaRPr lang="en-US" dirty="0"/>
+          </a:p>
+        </p:txBody>
+      </p:sp>
+    </p:spTree>
+    <p:extLst>
+      <p:ext uri="{BB962C8B-B14F-4D97-AF65-F5344CB8AC3E}">
+        <p14:creationId xmlns:p14="http://schemas.microsoft.com/office/powerpoint/2010/main" val="675375798"/>
+      </p:ext>
+    </p:extLst>
+  </p:cSld>
+  <p:clrMapOvr>
+    <a:masterClrMapping/>
+  </p:clrMapOvr>
+</p:sld>
+</file>
+
 <file path=ppt/slides/slide3.xml><?xml version="1.0" encoding="utf-8"?>
 <p:sld xmlns:a="http://schemas.openxmlformats.org/drawingml/2006/main" xmlns:r="http://schemas.openxmlformats.org/officeDocument/2006/relationships" xmlns:p="http://schemas.openxmlformats.org/presentationml/2006/main">
   <p:cSld>
@@ -16172,7 +18321,7 @@
           <a:p>
             <a:fld id="{7053BEFA-1175-F644-B249-7D41D72BD3FF}" type="datetime1">
               <a:rPr lang="en-US" smtClean="0"/>
-              <a:t>2/25/15</a:t>
+              <a:t>2/8/16</a:t>
             </a:fld>
             <a:endParaRPr lang="en-US"/>
           </a:p>
@@ -16242,7 +18391,7 @@
           <a:graphicData uri="http://schemas.openxmlformats.org/presentationml/2006/ole">
             <mc:AlternateContent xmlns:mc="http://schemas.openxmlformats.org/markup-compatibility/2006">
               <mc:Choice xmlns:v="urn:schemas-microsoft-com:vml" Requires="v">
-                <p:oleObj spid="_x0000_s2104" name="Equation" r:id="rId3" imgW="622300" imgH="482600" progId="Equation.3">
+                <p:oleObj spid="_x0000_s2106" name="Equation" r:id="rId3" imgW="622300" imgH="482600" progId="Equation.3">
                   <p:embed/>
                 </p:oleObj>
               </mc:Choice>
@@ -16415,7 +18564,7 @@
           <a:p>
             <a:fld id="{7053BEFA-1175-F644-B249-7D41D72BD3FF}" type="datetime1">
               <a:rPr lang="en-US" smtClean="0"/>
-              <a:t>2/25/15</a:t>
+              <a:t>2/8/16</a:t>
             </a:fld>
             <a:endParaRPr lang="en-US"/>
           </a:p>
@@ -16485,7 +18634,7 @@
           <a:graphicData uri="http://schemas.openxmlformats.org/presentationml/2006/ole">
             <mc:AlternateContent xmlns:mc="http://schemas.openxmlformats.org/markup-compatibility/2006">
               <mc:Choice xmlns:v="urn:schemas-microsoft-com:vml" Requires="v">
-                <p:oleObj spid="_x0000_s3128" name="Equation" r:id="rId3" imgW="622300" imgH="482600" progId="Equation.3">
+                <p:oleObj spid="_x0000_s3130" name="Equation" r:id="rId3" imgW="622300" imgH="482600" progId="Equation.3">
                   <p:embed/>
                 </p:oleObj>
               </mc:Choice>
@@ -16693,7 +18842,7 @@
           <a:p>
             <a:fld id="{7053BEFA-1175-F644-B249-7D41D72BD3FF}" type="datetime1">
               <a:rPr lang="en-US" smtClean="0"/>
-              <a:t>2/25/15</a:t>
+              <a:t>2/8/16</a:t>
             </a:fld>
             <a:endParaRPr lang="en-US"/>
           </a:p>
@@ -16763,7 +18912,7 @@
           <a:graphicData uri="http://schemas.openxmlformats.org/presentationml/2006/ole">
             <mc:AlternateContent xmlns:mc="http://schemas.openxmlformats.org/markup-compatibility/2006">
               <mc:Choice xmlns:v="urn:schemas-microsoft-com:vml" Requires="v">
-                <p:oleObj spid="_x0000_s5278" name="Equation" r:id="rId3" imgW="622300" imgH="482600" progId="Equation.3">
+                <p:oleObj spid="_x0000_s5282" name="Equation" r:id="rId3" imgW="622300" imgH="482600" progId="Equation.3">
                   <p:embed/>
                 </p:oleObj>
               </mc:Choice>
@@ -16854,7 +19003,7 @@
           <a:graphicData uri="http://schemas.openxmlformats.org/presentationml/2006/ole">
             <mc:AlternateContent xmlns:mc="http://schemas.openxmlformats.org/markup-compatibility/2006">
               <mc:Choice xmlns:v="urn:schemas-microsoft-com:vml" Requires="v">
-                <p:oleObj spid="_x0000_s5279" name="Equation" r:id="rId5" imgW="596900" imgH="457200" progId="Equation.3">
+                <p:oleObj spid="_x0000_s5283" name="Equation" r:id="rId5" imgW="596900" imgH="457200" progId="Equation.3">
                   <p:embed/>
                 </p:oleObj>
               </mc:Choice>
@@ -16920,7 +19069,7 @@
           <a:graphicData uri="http://schemas.openxmlformats.org/presentationml/2006/ole">
             <mc:AlternateContent xmlns:mc="http://schemas.openxmlformats.org/markup-compatibility/2006">
               <mc:Choice xmlns:v="urn:schemas-microsoft-com:vml" Requires="v">
-                <p:oleObj spid="_x0000_s5280" name="Equation" r:id="rId7" imgW="609600" imgH="419100" progId="Equation.3">
+                <p:oleObj spid="_x0000_s5284" name="Equation" r:id="rId7" imgW="609600" imgH="419100" progId="Equation.3">
                   <p:embed/>
                 </p:oleObj>
               </mc:Choice>
@@ -17120,7 +19269,7 @@
           <a:p>
             <a:fld id="{7053BEFA-1175-F644-B249-7D41D72BD3FF}" type="datetime1">
               <a:rPr lang="en-US" smtClean="0"/>
-              <a:t>2/25/15</a:t>
+              <a:t>2/8/16</a:t>
             </a:fld>
             <a:endParaRPr lang="en-US"/>
           </a:p>
@@ -17190,7 +19339,7 @@
           <a:graphicData uri="http://schemas.openxmlformats.org/presentationml/2006/ole">
             <mc:AlternateContent xmlns:mc="http://schemas.openxmlformats.org/markup-compatibility/2006">
               <mc:Choice xmlns:v="urn:schemas-microsoft-com:vml" Requires="v">
-                <p:oleObj spid="_x0000_s6296" name="Equation" r:id="rId3" imgW="622300" imgH="482600" progId="Equation.3">
+                <p:oleObj spid="_x0000_s6300" name="Equation" r:id="rId3" imgW="622300" imgH="482600" progId="Equation.3">
                   <p:embed/>
                 </p:oleObj>
               </mc:Choice>
@@ -17281,7 +19430,7 @@
           <a:graphicData uri="http://schemas.openxmlformats.org/presentationml/2006/ole">
             <mc:AlternateContent xmlns:mc="http://schemas.openxmlformats.org/markup-compatibility/2006">
               <mc:Choice xmlns:v="urn:schemas-microsoft-com:vml" Requires="v">
-                <p:oleObj spid="_x0000_s6297" name="Equation" r:id="rId5" imgW="596900" imgH="457200" progId="Equation.3">
+                <p:oleObj spid="_x0000_s6301" name="Equation" r:id="rId5" imgW="596900" imgH="457200" progId="Equation.3">
                   <p:embed/>
                 </p:oleObj>
               </mc:Choice>
@@ -17347,7 +19496,7 @@
           <a:graphicData uri="http://schemas.openxmlformats.org/presentationml/2006/ole">
             <mc:AlternateContent xmlns:mc="http://schemas.openxmlformats.org/markup-compatibility/2006">
               <mc:Choice xmlns:v="urn:schemas-microsoft-com:vml" Requires="v">
-                <p:oleObj spid="_x0000_s6298" name="Equation" r:id="rId7" imgW="609600" imgH="419100" progId="Equation.3">
+                <p:oleObj spid="_x0000_s6302" name="Equation" r:id="rId7" imgW="609600" imgH="419100" progId="Equation.3">
                   <p:embed/>
                 </p:oleObj>
               </mc:Choice>
@@ -17605,7 +19754,7 @@
           <a:p>
             <a:fld id="{7053BEFA-1175-F644-B249-7D41D72BD3FF}" type="datetime1">
               <a:rPr lang="en-US" smtClean="0"/>
-              <a:t>2/25/15</a:t>
+              <a:t>2/8/16</a:t>
             </a:fld>
             <a:endParaRPr lang="en-US"/>
           </a:p>
@@ -17675,7 +19824,7 @@
           <a:graphicData uri="http://schemas.openxmlformats.org/presentationml/2006/ole">
             <mc:AlternateContent xmlns:mc="http://schemas.openxmlformats.org/markup-compatibility/2006">
               <mc:Choice xmlns:v="urn:schemas-microsoft-com:vml" Requires="v">
-                <p:oleObj spid="_x0000_s7314" name="Equation" r:id="rId3" imgW="622300" imgH="482600" progId="Equation.3">
+                <p:oleObj spid="_x0000_s7318" name="Equation" r:id="rId3" imgW="622300" imgH="482600" progId="Equation.3">
                   <p:embed/>
                 </p:oleObj>
               </mc:Choice>
@@ -17766,7 +19915,7 @@
           <a:graphicData uri="http://schemas.openxmlformats.org/presentationml/2006/ole">
             <mc:AlternateContent xmlns:mc="http://schemas.openxmlformats.org/markup-compatibility/2006">
               <mc:Choice xmlns:v="urn:schemas-microsoft-com:vml" Requires="v">
-                <p:oleObj spid="_x0000_s7315" name="Equation" r:id="rId5" imgW="596900" imgH="457200" progId="Equation.3">
+                <p:oleObj spid="_x0000_s7319" name="Equation" r:id="rId5" imgW="596900" imgH="457200" progId="Equation.3">
                   <p:embed/>
                 </p:oleObj>
               </mc:Choice>
@@ -17832,7 +19981,7 @@
           <a:graphicData uri="http://schemas.openxmlformats.org/presentationml/2006/ole">
             <mc:AlternateContent xmlns:mc="http://schemas.openxmlformats.org/markup-compatibility/2006">
               <mc:Choice xmlns:v="urn:schemas-microsoft-com:vml" Requires="v">
-                <p:oleObj spid="_x0000_s7316" name="Equation" r:id="rId7" imgW="609600" imgH="419100" progId="Equation.3">
+                <p:oleObj spid="_x0000_s7320" name="Equation" r:id="rId7" imgW="609600" imgH="419100" progId="Equation.3">
                   <p:embed/>
                 </p:oleObj>
               </mc:Choice>
@@ -18024,7 +20173,7 @@
           <a:p>
             <a:fld id="{7053BEFA-1175-F644-B249-7D41D72BD3FF}" type="datetime1">
               <a:rPr lang="en-US" smtClean="0"/>
-              <a:t>2/25/15</a:t>
+              <a:t>2/8/16</a:t>
             </a:fld>
             <a:endParaRPr lang="en-US"/>
           </a:p>
@@ -18094,7 +20243,7 @@
           <a:graphicData uri="http://schemas.openxmlformats.org/presentationml/2006/ole">
             <mc:AlternateContent xmlns:mc="http://schemas.openxmlformats.org/markup-compatibility/2006">
               <mc:Choice xmlns:v="urn:schemas-microsoft-com:vml" Requires="v">
-                <p:oleObj spid="_x0000_s1295" name="Equation" r:id="rId3" imgW="622300" imgH="482600" progId="Equation.3">
+                <p:oleObj spid="_x0000_s1302" name="Equation" r:id="rId3" imgW="622300" imgH="482600" progId="Equation.3">
                   <p:embed/>
                 </p:oleObj>
               </mc:Choice>
@@ -18185,7 +20334,7 @@
           <a:graphicData uri="http://schemas.openxmlformats.org/presentationml/2006/ole">
             <mc:AlternateContent xmlns:mc="http://schemas.openxmlformats.org/markup-compatibility/2006">
               <mc:Choice xmlns:v="urn:schemas-microsoft-com:vml" Requires="v">
-                <p:oleObj spid="_x0000_s1296" name="Equation" r:id="rId5" imgW="596900" imgH="457200" progId="Equation.3">
+                <p:oleObj spid="_x0000_s1303" name="Equation" r:id="rId5" imgW="596900" imgH="457200" progId="Equation.3">
                   <p:embed/>
                 </p:oleObj>
               </mc:Choice>
@@ -18251,7 +20400,7 @@
           <a:graphicData uri="http://schemas.openxmlformats.org/presentationml/2006/ole">
             <mc:AlternateContent xmlns:mc="http://schemas.openxmlformats.org/markup-compatibility/2006">
               <mc:Choice xmlns:v="urn:schemas-microsoft-com:vml" Requires="v">
-                <p:oleObj spid="_x0000_s1297" name="Equation" r:id="rId7" imgW="609600" imgH="419100" progId="Equation.3">
+                <p:oleObj spid="_x0000_s1304" name="Equation" r:id="rId7" imgW="609600" imgH="419100" progId="Equation.3">
                   <p:embed/>
                 </p:oleObj>
               </mc:Choice>
@@ -18317,7 +20466,7 @@
           <a:graphicData uri="http://schemas.openxmlformats.org/presentationml/2006/ole">
             <mc:AlternateContent xmlns:mc="http://schemas.openxmlformats.org/markup-compatibility/2006">
               <mc:Choice xmlns:v="urn:schemas-microsoft-com:vml" Requires="v">
-                <p:oleObj spid="_x0000_s1298" name="Equation" r:id="rId9" imgW="723900" imgH="228600" progId="Equation.3">
+                <p:oleObj spid="_x0000_s1305" name="Equation" r:id="rId9" imgW="723900" imgH="228600" progId="Equation.3">
                   <p:embed/>
                 </p:oleObj>
               </mc:Choice>
@@ -18383,7 +20532,7 @@
           <a:graphicData uri="http://schemas.openxmlformats.org/presentationml/2006/ole">
             <mc:AlternateContent xmlns:mc="http://schemas.openxmlformats.org/markup-compatibility/2006">
               <mc:Choice xmlns:v="urn:schemas-microsoft-com:vml" Requires="v">
-                <p:oleObj spid="_x0000_s1299" name="Equation" r:id="rId11" imgW="723900" imgH="228600" progId="Equation.3">
+                <p:oleObj spid="_x0000_s1306" name="Equation" r:id="rId11" imgW="723900" imgH="228600" progId="Equation.3">
                   <p:embed/>
                 </p:oleObj>
               </mc:Choice>
@@ -18449,7 +20598,7 @@
           <a:graphicData uri="http://schemas.openxmlformats.org/presentationml/2006/ole">
             <mc:AlternateContent xmlns:mc="http://schemas.openxmlformats.org/markup-compatibility/2006">
               <mc:Choice xmlns:v="urn:schemas-microsoft-com:vml" Requires="v">
-                <p:oleObj spid="_x0000_s1300" name="Equation" r:id="rId13" imgW="787400" imgH="228600" progId="Equation.3">
+                <p:oleObj spid="_x0000_s1307" name="Equation" r:id="rId13" imgW="787400" imgH="228600" progId="Equation.3">
                   <p:embed/>
                 </p:oleObj>
               </mc:Choice>
@@ -18695,7 +20844,7 @@
           <a:p>
             <a:fld id="{7053BEFA-1175-F644-B249-7D41D72BD3FF}" type="datetime1">
               <a:rPr lang="en-US" smtClean="0"/>
-              <a:t>2/25/15</a:t>
+              <a:t>2/8/16</a:t>
             </a:fld>
             <a:endParaRPr lang="en-US"/>
           </a:p>
@@ -18765,7 +20914,7 @@
           <a:graphicData uri="http://schemas.openxmlformats.org/presentationml/2006/ole">
             <mc:AlternateContent xmlns:mc="http://schemas.openxmlformats.org/markup-compatibility/2006">
               <mc:Choice xmlns:v="urn:schemas-microsoft-com:vml" Requires="v">
-                <p:oleObj spid="_x0000_s8330" name="Equation" r:id="rId3" imgW="622300" imgH="482600" progId="Equation.3">
+                <p:oleObj spid="_x0000_s8335" name="Equation" r:id="rId3" imgW="622300" imgH="482600" progId="Equation.3">
                   <p:embed/>
                 </p:oleObj>
               </mc:Choice>
@@ -18856,7 +21005,7 @@
           <a:graphicData uri="http://schemas.openxmlformats.org/presentationml/2006/ole">
             <mc:AlternateContent xmlns:mc="http://schemas.openxmlformats.org/markup-compatibility/2006">
               <mc:Choice xmlns:v="urn:schemas-microsoft-com:vml" Requires="v">
-                <p:oleObj spid="_x0000_s8331" name="Equation" r:id="rId5" imgW="596900" imgH="457200" progId="Equation.3">
+                <p:oleObj spid="_x0000_s8336" name="Equation" r:id="rId5" imgW="596900" imgH="457200" progId="Equation.3">
                   <p:embed/>
                 </p:oleObj>
               </mc:Choice>
@@ -18922,7 +21071,7 @@
           <a:graphicData uri="http://schemas.openxmlformats.org/presentationml/2006/ole">
             <mc:AlternateContent xmlns:mc="http://schemas.openxmlformats.org/markup-compatibility/2006">
               <mc:Choice xmlns:v="urn:schemas-microsoft-com:vml" Requires="v">
-                <p:oleObj spid="_x0000_s8332" name="Equation" r:id="rId7" imgW="609600" imgH="419100" progId="Equation.3">
+                <p:oleObj spid="_x0000_s8337" name="Equation" r:id="rId7" imgW="609600" imgH="419100" progId="Equation.3">
                   <p:embed/>
                 </p:oleObj>
               </mc:Choice>
@@ -18988,7 +21137,7 @@
           <a:graphicData uri="http://schemas.openxmlformats.org/presentationml/2006/ole">
             <mc:AlternateContent xmlns:mc="http://schemas.openxmlformats.org/markup-compatibility/2006">
               <mc:Choice xmlns:v="urn:schemas-microsoft-com:vml" Requires="v">
-                <p:oleObj spid="_x0000_s8333" name="Equation" r:id="rId9" imgW="1130300" imgH="495300" progId="Equation.3">
+                <p:oleObj spid="_x0000_s8338" name="Equation" r:id="rId9" imgW="1130300" imgH="495300" progId="Equation.3">
                   <p:embed/>
                 </p:oleObj>
               </mc:Choice>

--- a/Lectures/12 Announcements.pptx
+++ b/Lectures/12 Announcements.pptx
@@ -11648,7 +11648,7 @@
               <a:t>Slides before class: look at </a:t>
             </a:r>
             <a:r>
-              <a:rPr lang="en-US" smtClean="0"/>
+              <a:rPr lang="en-US" dirty="0" err="1" smtClean="0"/>
               <a:t>github</a:t>
             </a:r>
             <a:endParaRPr lang="en-US" dirty="0" smtClean="0"/>
